--- a/OctopusDeployFundamentals/Module1-Infrastructure/Slides/Module1Class2-UnderstandingTargetsAndRoles.pptx
+++ b/OctopusDeployFundamentals/Module1-Infrastructure/Slides/Module1Class2-UnderstandingTargetsAndRoles.pptx
@@ -5,12 +5,12 @@
     <p:sldMasterId id="2147483659" r:id="rId1"/>
   </p:sldMasterIdLst>
   <p:notesMasterIdLst>
-    <p:notesMasterId r:id="rId13"/>
+    <p:notesMasterId r:id="rId14"/>
   </p:notesMasterIdLst>
   <p:sldIdLst>
     <p:sldId id="268" r:id="rId2"/>
     <p:sldId id="256" r:id="rId3"/>
-    <p:sldId id="265" r:id="rId4"/>
+    <p:sldId id="276" r:id="rId4"/>
     <p:sldId id="272" r:id="rId5"/>
     <p:sldId id="271" r:id="rId6"/>
     <p:sldId id="270" r:id="rId7"/>
@@ -18,7 +18,8 @@
     <p:sldId id="273" r:id="rId9"/>
     <p:sldId id="274" r:id="rId10"/>
     <p:sldId id="261" r:id="rId11"/>
-    <p:sldId id="266" r:id="rId12"/>
+    <p:sldId id="275" r:id="rId12"/>
+    <p:sldId id="266" r:id="rId13"/>
   </p:sldIdLst>
   <p:sldSz cx="9144000" cy="5143500" type="screen16x9"/>
   <p:notesSz cx="6858000" cy="9144000"/>
@@ -252,6 +253,38 @@
     </a:lvl9pPr>
   </p:defaultTextStyle>
   <p:extLst>
+    <p:ext uri="{521415D9-36F7-43E2-AB2F-B90AF26B5E84}">
+      <p14:sectionLst xmlns:p14="http://schemas.microsoft.com/office/powerpoint/2010/main">
+        <p14:section name="INTRO" id="{0270C77D-8110-4626-BEF8-4199083D6286}">
+          <p14:sldIdLst>
+            <p14:sldId id="268"/>
+            <p14:sldId id="256"/>
+          </p14:sldIdLst>
+        </p14:section>
+        <p14:section name="EXPLAINER" id="{EDDB46D6-8C38-4C84-B18A-425C30842ECC}">
+          <p14:sldIdLst>
+            <p14:sldId id="276"/>
+            <p14:sldId id="272"/>
+            <p14:sldId id="271"/>
+            <p14:sldId id="270"/>
+            <p14:sldId id="269"/>
+            <p14:sldId id="273"/>
+            <p14:sldId id="274"/>
+            <p14:sldId id="261"/>
+          </p14:sldIdLst>
+        </p14:section>
+        <p14:section name="DEMO" id="{C3189919-67CB-4E4B-8654-B0C10042953A}">
+          <p14:sldIdLst>
+            <p14:sldId id="275"/>
+          </p14:sldIdLst>
+        </p14:section>
+        <p14:section name="SUMMARY" id="{40AB4977-2215-43DB-A49C-091EE9B7BBC7}">
+          <p14:sldIdLst>
+            <p14:sldId id="266"/>
+          </p14:sldIdLst>
+        </p14:section>
+      </p14:sectionLst>
+    </p:ext>
     <p:ext uri="{EFAFB233-063F-42B5-8137-9DF3F51BA10A}">
       <p15:sldGuideLst xmlns:p15="http://schemas.microsoft.com/office/powerpoint/2012/main">
         <p15:guide id="1" orient="horz" pos="1620">
@@ -712,6 +745,957 @@
 </file>
 
 <file path=ppt/notesSlides/notesSlide1.xml><?xml version="1.0" encoding="utf-8"?>
+<p:notes xmlns:a="http://schemas.openxmlformats.org/drawingml/2006/main" xmlns:r="http://schemas.openxmlformats.org/officeDocument/2006/relationships" xmlns:p="http://schemas.openxmlformats.org/presentationml/2006/main">
+  <p:cSld>
+    <p:spTree>
+      <p:nvGrpSpPr>
+        <p:cNvPr id="1" name=""/>
+        <p:cNvGrpSpPr/>
+        <p:nvPr/>
+      </p:nvGrpSpPr>
+      <p:grpSpPr>
+        <a:xfrm>
+          <a:off x="0" y="0"/>
+          <a:ext cx="0" cy="0"/>
+          <a:chOff x="0" y="0"/>
+          <a:chExt cx="0" cy="0"/>
+        </a:xfrm>
+      </p:grpSpPr>
+      <p:sp>
+        <p:nvSpPr>
+          <p:cNvPr id="2" name="Slide Image Placeholder 1"/>
+          <p:cNvSpPr>
+            <a:spLocks noGrp="1" noRot="1" noChangeAspect="1"/>
+          </p:cNvSpPr>
+          <p:nvPr>
+            <p:ph type="sldImg"/>
+          </p:nvPr>
+        </p:nvSpPr>
+        <p:spPr>
+          <a:xfrm>
+            <a:off x="381000" y="685800"/>
+            <a:ext cx="6096000" cy="3429000"/>
+          </a:xfrm>
+        </p:spPr>
+      </p:sp>
+      <p:sp>
+        <p:nvSpPr>
+          <p:cNvPr id="3" name="Notes Placeholder 2"/>
+          <p:cNvSpPr>
+            <a:spLocks noGrp="1"/>
+          </p:cNvSpPr>
+          <p:nvPr>
+            <p:ph type="body" idx="1"/>
+          </p:nvPr>
+        </p:nvSpPr>
+        <p:spPr/>
+        <p:txBody>
+          <a:bodyPr/>
+          <a:lstStyle/>
+          <a:p>
+            <a:pPr marL="158750" marR="0" lvl="0" indent="0" algn="l" defTabSz="914400" rtl="0" eaLnBrk="1" fontAlgn="auto" latinLnBrk="0" hangingPunct="1">
+              <a:lnSpc>
+                <a:spcPct val="100000"/>
+              </a:lnSpc>
+              <a:spcBef>
+                <a:spcPts val="0"/>
+              </a:spcBef>
+              <a:spcAft>
+                <a:spcPts val="0"/>
+              </a:spcAft>
+              <a:buClr>
+                <a:srgbClr val="000000"/>
+              </a:buClr>
+              <a:buSzPts val="1100"/>
+              <a:buFont typeface="Arial"/>
+              <a:buNone/>
+              <a:tabLst/>
+              <a:defRPr/>
+            </a:pPr>
+            <a:r>
+              <a:rPr lang="en-GB" b="0" dirty="0">
+                <a:solidFill>
+                  <a:srgbClr val="D4D4D4"/>
+                </a:solidFill>
+                <a:effectLst/>
+                <a:latin typeface="Consolas" panose="020B0609020204030204" pitchFamily="49" charset="0"/>
+              </a:rPr>
+              <a:t>Welcome to class 2 of this Infrastructure module for the Octopus Deploy Fundamentals training course.</a:t>
+            </a:r>
+          </a:p>
+          <a:p>
+            <a:pPr marL="158750" marR="0" lvl="0" indent="0" algn="l" defTabSz="914400" rtl="0" eaLnBrk="1" fontAlgn="auto" latinLnBrk="0" hangingPunct="1">
+              <a:lnSpc>
+                <a:spcPct val="100000"/>
+              </a:lnSpc>
+              <a:spcBef>
+                <a:spcPts val="0"/>
+              </a:spcBef>
+              <a:spcAft>
+                <a:spcPts val="0"/>
+              </a:spcAft>
+              <a:buClr>
+                <a:srgbClr val="000000"/>
+              </a:buClr>
+              <a:buSzPts val="1100"/>
+              <a:buFont typeface="Arial"/>
+              <a:buNone/>
+              <a:tabLst/>
+              <a:defRPr/>
+            </a:pPr>
+            <a:endParaRPr lang="en-GB" b="0" dirty="0">
+              <a:solidFill>
+                <a:srgbClr val="D4D4D4"/>
+              </a:solidFill>
+              <a:effectLst/>
+              <a:latin typeface="Consolas" panose="020B0609020204030204" pitchFamily="49" charset="0"/>
+            </a:endParaRPr>
+          </a:p>
+          <a:p>
+            <a:pPr marL="158750" indent="0">
+              <a:buNone/>
+            </a:pPr>
+            <a:r>
+              <a:rPr lang="en-GB" b="0" dirty="0">
+                <a:solidFill>
+                  <a:srgbClr val="D4D4D4"/>
+                </a:solidFill>
+                <a:effectLst/>
+                <a:latin typeface="Consolas" panose="020B0609020204030204" pitchFamily="49" charset="0"/>
+              </a:rPr>
+              <a:t>This video will explain the purpose of "Deployment Targets" and "Machine Roles", as well as the relationship between them. Understanding how Targets and Roles work will be an important foundation ahead of the next class where we'll begin to configure our infrastructure</a:t>
+            </a:r>
+            <a:br>
+              <a:rPr lang="en-GB" b="0" dirty="0">
+                <a:solidFill>
+                  <a:srgbClr val="D4D4D4"/>
+                </a:solidFill>
+                <a:effectLst/>
+                <a:latin typeface="Consolas" panose="020B0609020204030204" pitchFamily="49" charset="0"/>
+              </a:rPr>
+            </a:br>
+            <a:endParaRPr lang="en-GB" b="0" dirty="0">
+              <a:solidFill>
+                <a:srgbClr val="D4D4D4"/>
+              </a:solidFill>
+              <a:effectLst/>
+              <a:latin typeface="Consolas" panose="020B0609020204030204" pitchFamily="49" charset="0"/>
+            </a:endParaRPr>
+          </a:p>
+          <a:p>
+            <a:pPr marL="158750" marR="0" lvl="0" indent="0" algn="l" defTabSz="914400" rtl="0" eaLnBrk="1" fontAlgn="auto" latinLnBrk="0" hangingPunct="1">
+              <a:lnSpc>
+                <a:spcPct val="100000"/>
+              </a:lnSpc>
+              <a:spcBef>
+                <a:spcPts val="0"/>
+              </a:spcBef>
+              <a:spcAft>
+                <a:spcPts val="0"/>
+              </a:spcAft>
+              <a:buClr>
+                <a:srgbClr val="000000"/>
+              </a:buClr>
+              <a:buSzPts val="1100"/>
+              <a:buFont typeface="Arial"/>
+              <a:buNone/>
+              <a:tabLst/>
+              <a:defRPr/>
+            </a:pPr>
+            <a:r>
+              <a:rPr lang="en-GB" b="0" dirty="0">
+                <a:solidFill>
+                  <a:srgbClr val="D4D4D4"/>
+                </a:solidFill>
+                <a:effectLst/>
+                <a:latin typeface="Consolas" panose="020B0609020204030204" pitchFamily="49" charset="0"/>
+              </a:rPr>
+              <a:t>We'll cover…</a:t>
+            </a:r>
+          </a:p>
+          <a:p>
+            <a:pPr marL="158750" indent="0">
+              <a:buNone/>
+            </a:pPr>
+            <a:endParaRPr lang="en-GB" b="0" dirty="0">
+              <a:solidFill>
+                <a:srgbClr val="D4D4D4"/>
+              </a:solidFill>
+              <a:effectLst/>
+              <a:latin typeface="Consolas" panose="020B0609020204030204" pitchFamily="49" charset="0"/>
+            </a:endParaRPr>
+          </a:p>
+          <a:p>
+            <a:pPr marL="158750" marR="0" lvl="0" indent="0" algn="l" defTabSz="914400" rtl="0" eaLnBrk="1" fontAlgn="auto" latinLnBrk="0" hangingPunct="1">
+              <a:lnSpc>
+                <a:spcPct val="100000"/>
+              </a:lnSpc>
+              <a:spcBef>
+                <a:spcPts val="0"/>
+              </a:spcBef>
+              <a:spcAft>
+                <a:spcPts val="0"/>
+              </a:spcAft>
+              <a:buClr>
+                <a:srgbClr val="000000"/>
+              </a:buClr>
+              <a:buSzPts val="1100"/>
+              <a:buFont typeface="Arial"/>
+              <a:buNone/>
+              <a:tabLst/>
+              <a:defRPr/>
+            </a:pPr>
+            <a:endParaRPr lang="en-GB" b="0" dirty="0">
+              <a:solidFill>
+                <a:srgbClr val="D4D4D4"/>
+              </a:solidFill>
+              <a:effectLst/>
+              <a:latin typeface="Consolas" panose="020B0609020204030204" pitchFamily="49" charset="0"/>
+            </a:endParaRPr>
+          </a:p>
+          <a:p>
+            <a:endParaRPr lang="en-GB" dirty="0"/>
+          </a:p>
+        </p:txBody>
+      </p:sp>
+    </p:spTree>
+    <p:extLst>
+      <p:ext uri="{BB962C8B-B14F-4D97-AF65-F5344CB8AC3E}">
+        <p14:creationId xmlns:p14="http://schemas.microsoft.com/office/powerpoint/2010/main" val="3106702069"/>
+      </p:ext>
+    </p:extLst>
+  </p:cSld>
+  <p:clrMapOvr>
+    <a:masterClrMapping/>
+  </p:clrMapOvr>
+</p:notes>
+</file>
+
+<file path=ppt/notesSlides/notesSlide10.xml><?xml version="1.0" encoding="utf-8"?>
+<p:notes xmlns:a="http://schemas.openxmlformats.org/drawingml/2006/main" xmlns:r="http://schemas.openxmlformats.org/officeDocument/2006/relationships" xmlns:p="http://schemas.openxmlformats.org/presentationml/2006/main" showMasterSp="0" showMasterPhAnim="0">
+  <p:cSld>
+    <p:spTree>
+      <p:nvGrpSpPr>
+        <p:cNvPr id="1" name="Shape 59"/>
+        <p:cNvGrpSpPr/>
+        <p:nvPr/>
+      </p:nvGrpSpPr>
+      <p:grpSpPr>
+        <a:xfrm>
+          <a:off x="0" y="0"/>
+          <a:ext cx="0" cy="0"/>
+          <a:chOff x="0" y="0"/>
+          <a:chExt cx="0" cy="0"/>
+        </a:xfrm>
+      </p:grpSpPr>
+      <p:sp>
+        <p:nvSpPr>
+          <p:cNvPr id="60" name="Google Shape;60;g10e8f13418e_0_11:notes"/>
+          <p:cNvSpPr>
+            <a:spLocks noGrp="1" noRot="1" noChangeAspect="1"/>
+          </p:cNvSpPr>
+          <p:nvPr>
+            <p:ph type="sldImg" idx="2"/>
+          </p:nvPr>
+        </p:nvSpPr>
+        <p:spPr>
+          <a:xfrm>
+            <a:off x="381000" y="685800"/>
+            <a:ext cx="6096000" cy="3429000"/>
+          </a:xfrm>
+          <a:custGeom>
+            <a:avLst/>
+            <a:gdLst/>
+            <a:ahLst/>
+            <a:cxnLst/>
+            <a:rect l="l" t="t" r="r" b="b"/>
+            <a:pathLst>
+              <a:path w="120000" h="120000" extrusionOk="0">
+                <a:moveTo>
+                  <a:pt x="0" y="0"/>
+                </a:moveTo>
+                <a:lnTo>
+                  <a:pt x="120000" y="0"/>
+                </a:lnTo>
+                <a:lnTo>
+                  <a:pt x="120000" y="120000"/>
+                </a:lnTo>
+                <a:lnTo>
+                  <a:pt x="0" y="120000"/>
+                </a:lnTo>
+                <a:close/>
+              </a:path>
+            </a:pathLst>
+          </a:custGeom>
+        </p:spPr>
+      </p:sp>
+      <p:sp>
+        <p:nvSpPr>
+          <p:cNvPr id="61" name="Google Shape;61;g10e8f13418e_0_11:notes"/>
+          <p:cNvSpPr txBox="1">
+            <a:spLocks noGrp="1"/>
+          </p:cNvSpPr>
+          <p:nvPr>
+            <p:ph type="body" idx="1"/>
+          </p:nvPr>
+        </p:nvSpPr>
+        <p:spPr>
+          <a:xfrm>
+            <a:off x="685800" y="4343400"/>
+            <a:ext cx="5486400" cy="4114800"/>
+          </a:xfrm>
+          <a:prstGeom prst="rect">
+            <a:avLst/>
+          </a:prstGeom>
+        </p:spPr>
+        <p:txBody>
+          <a:bodyPr spcFirstLastPara="1" wrap="square" lIns="91425" tIns="91425" rIns="91425" bIns="91425" anchor="t" anchorCtr="0">
+            <a:noAutofit/>
+          </a:bodyPr>
+          <a:lstStyle/>
+          <a:p>
+            <a:pPr marL="0" marR="0" lvl="0" indent="0" algn="l" defTabSz="914400" rtl="0" eaLnBrk="1" fontAlgn="auto" latinLnBrk="0" hangingPunct="1">
+              <a:lnSpc>
+                <a:spcPct val="100000"/>
+              </a:lnSpc>
+              <a:spcBef>
+                <a:spcPts val="0"/>
+              </a:spcBef>
+              <a:spcAft>
+                <a:spcPts val="0"/>
+              </a:spcAft>
+              <a:buClr>
+                <a:srgbClr val="000000"/>
+              </a:buClr>
+              <a:buSzPts val="1100"/>
+              <a:buFont typeface="Arial"/>
+              <a:buNone/>
+              <a:tabLst/>
+              <a:defRPr/>
+            </a:pPr>
+            <a:r>
+              <a:rPr lang="en-GB" b="0" dirty="0">
+                <a:solidFill>
+                  <a:srgbClr val="D4D4D4"/>
+                </a:solidFill>
+                <a:effectLst/>
+                <a:latin typeface="Consolas" panose="020B0609020204030204" pitchFamily="49" charset="0"/>
+              </a:rPr>
+              <a:t>Furthermore, Octopus Deploy isn't only a deployment tool…</a:t>
+            </a:r>
+          </a:p>
+          <a:p>
+            <a:pPr marL="0" marR="0" lvl="0" indent="0" algn="l" defTabSz="914400" rtl="0" eaLnBrk="1" fontAlgn="auto" latinLnBrk="0" hangingPunct="1">
+              <a:lnSpc>
+                <a:spcPct val="100000"/>
+              </a:lnSpc>
+              <a:spcBef>
+                <a:spcPts val="0"/>
+              </a:spcBef>
+              <a:spcAft>
+                <a:spcPts val="0"/>
+              </a:spcAft>
+              <a:buClr>
+                <a:srgbClr val="000000"/>
+              </a:buClr>
+              <a:buSzPts val="1100"/>
+              <a:buFont typeface="Arial"/>
+              <a:buNone/>
+              <a:tabLst/>
+              <a:defRPr/>
+            </a:pPr>
+            <a:endParaRPr lang="en-GB" b="0" dirty="0">
+              <a:solidFill>
+                <a:srgbClr val="D4D4D4"/>
+              </a:solidFill>
+              <a:effectLst/>
+              <a:latin typeface="Consolas" panose="020B0609020204030204" pitchFamily="49" charset="0"/>
+            </a:endParaRPr>
+          </a:p>
+          <a:p>
+            <a:pPr marL="0" marR="0" lvl="0" indent="0" algn="l" defTabSz="914400" rtl="0" eaLnBrk="1" fontAlgn="auto" latinLnBrk="0" hangingPunct="1">
+              <a:lnSpc>
+                <a:spcPct val="100000"/>
+              </a:lnSpc>
+              <a:spcBef>
+                <a:spcPts val="0"/>
+              </a:spcBef>
+              <a:spcAft>
+                <a:spcPts val="0"/>
+              </a:spcAft>
+              <a:buClr>
+                <a:srgbClr val="000000"/>
+              </a:buClr>
+              <a:buSzPts val="1100"/>
+              <a:buFont typeface="Arial"/>
+              <a:buNone/>
+              <a:tabLst/>
+              <a:defRPr/>
+            </a:pPr>
+            <a:r>
+              <a:rPr lang="en-GB" b="0" dirty="0">
+                <a:solidFill>
+                  <a:srgbClr val="D4D4D4"/>
+                </a:solidFill>
+                <a:effectLst/>
+                <a:latin typeface="Consolas" panose="020B0609020204030204" pitchFamily="49" charset="0"/>
+              </a:rPr>
+              <a:t>…Operations Runbooks allow us to run routine or emergency maintenance tasks, in a fully audited manner using version controlled scripts.</a:t>
+            </a:r>
+          </a:p>
+          <a:p>
+            <a:pPr marL="0" marR="0" lvl="0" indent="0" algn="l" defTabSz="914400" rtl="0" eaLnBrk="1" fontAlgn="auto" latinLnBrk="0" hangingPunct="1">
+              <a:lnSpc>
+                <a:spcPct val="100000"/>
+              </a:lnSpc>
+              <a:spcBef>
+                <a:spcPts val="0"/>
+              </a:spcBef>
+              <a:spcAft>
+                <a:spcPts val="0"/>
+              </a:spcAft>
+              <a:buClr>
+                <a:srgbClr val="000000"/>
+              </a:buClr>
+              <a:buSzPts val="1100"/>
+              <a:buFont typeface="Arial"/>
+              <a:buNone/>
+              <a:tabLst/>
+              <a:defRPr/>
+            </a:pPr>
+            <a:endParaRPr lang="en-GB" b="0" dirty="0">
+              <a:solidFill>
+                <a:srgbClr val="D4D4D4"/>
+              </a:solidFill>
+              <a:effectLst/>
+              <a:latin typeface="Consolas" panose="020B0609020204030204" pitchFamily="49" charset="0"/>
+            </a:endParaRPr>
+          </a:p>
+          <a:p>
+            <a:pPr marL="0" marR="0" lvl="0" indent="0" algn="l" defTabSz="914400" rtl="0" eaLnBrk="1" fontAlgn="auto" latinLnBrk="0" hangingPunct="1">
+              <a:lnSpc>
+                <a:spcPct val="100000"/>
+              </a:lnSpc>
+              <a:spcBef>
+                <a:spcPts val="0"/>
+              </a:spcBef>
+              <a:spcAft>
+                <a:spcPts val="0"/>
+              </a:spcAft>
+              <a:buClr>
+                <a:srgbClr val="000000"/>
+              </a:buClr>
+              <a:buSzPts val="1100"/>
+              <a:buFont typeface="Arial"/>
+              <a:buNone/>
+              <a:tabLst/>
+              <a:defRPr/>
+            </a:pPr>
+            <a:r>
+              <a:rPr lang="en-GB" b="0" dirty="0">
+                <a:solidFill>
+                  <a:srgbClr val="D4D4D4"/>
+                </a:solidFill>
+                <a:effectLst/>
+                <a:latin typeface="Consolas" panose="020B0609020204030204" pitchFamily="49" charset="0"/>
+              </a:rPr>
+              <a:t>For example, we might want to use an Operations Runbook to install the latest SQL Server updates or instruct our load balancer to remove a troublesome web server from rotation.</a:t>
+            </a:r>
+          </a:p>
+          <a:p>
+            <a:pPr marL="0" marR="0" lvl="0" indent="0" algn="l" defTabSz="914400" rtl="0" eaLnBrk="1" fontAlgn="auto" latinLnBrk="0" hangingPunct="1">
+              <a:lnSpc>
+                <a:spcPct val="100000"/>
+              </a:lnSpc>
+              <a:spcBef>
+                <a:spcPts val="0"/>
+              </a:spcBef>
+              <a:spcAft>
+                <a:spcPts val="0"/>
+              </a:spcAft>
+              <a:buClr>
+                <a:srgbClr val="000000"/>
+              </a:buClr>
+              <a:buSzPts val="1100"/>
+              <a:buFont typeface="Arial"/>
+              <a:buNone/>
+              <a:tabLst/>
+              <a:defRPr/>
+            </a:pPr>
+            <a:endParaRPr lang="en-GB" b="0" dirty="0">
+              <a:solidFill>
+                <a:srgbClr val="D4D4D4"/>
+              </a:solidFill>
+              <a:effectLst/>
+              <a:latin typeface="Consolas" panose="020B0609020204030204" pitchFamily="49" charset="0"/>
+            </a:endParaRPr>
+          </a:p>
+          <a:p>
+            <a:pPr marL="0" marR="0" lvl="0" indent="0" algn="l" defTabSz="914400" rtl="0" eaLnBrk="1" fontAlgn="auto" latinLnBrk="0" hangingPunct="1">
+              <a:lnSpc>
+                <a:spcPct val="100000"/>
+              </a:lnSpc>
+              <a:spcBef>
+                <a:spcPts val="0"/>
+              </a:spcBef>
+              <a:spcAft>
+                <a:spcPts val="0"/>
+              </a:spcAft>
+              <a:buClr>
+                <a:srgbClr val="000000"/>
+              </a:buClr>
+              <a:buSzPts val="1100"/>
+              <a:buFont typeface="Arial"/>
+              <a:buNone/>
+              <a:tabLst/>
+              <a:defRPr/>
+            </a:pPr>
+            <a:r>
+              <a:rPr lang="en-GB" b="0" dirty="0">
+                <a:solidFill>
+                  <a:srgbClr val="D4D4D4"/>
+                </a:solidFill>
+                <a:effectLst/>
+                <a:latin typeface="Consolas" panose="020B0609020204030204" pitchFamily="49" charset="0"/>
+              </a:rPr>
+              <a:t>With this in mind, it can be useful to use additional generic roles to define which targets are used to host SQL Server instances, load balancers, IIS etc.</a:t>
+            </a:r>
+          </a:p>
+          <a:p>
+            <a:pPr marL="0" marR="0" lvl="0" indent="0" algn="l" defTabSz="914400" rtl="0" eaLnBrk="1" fontAlgn="auto" latinLnBrk="0" hangingPunct="1">
+              <a:lnSpc>
+                <a:spcPct val="100000"/>
+              </a:lnSpc>
+              <a:spcBef>
+                <a:spcPts val="0"/>
+              </a:spcBef>
+              <a:spcAft>
+                <a:spcPts val="0"/>
+              </a:spcAft>
+              <a:buClr>
+                <a:srgbClr val="000000"/>
+              </a:buClr>
+              <a:buSzPts val="1100"/>
+              <a:buFont typeface="Arial"/>
+              <a:buNone/>
+              <a:tabLst/>
+              <a:defRPr/>
+            </a:pPr>
+            <a:endParaRPr lang="en-GB" b="0" dirty="0">
+              <a:solidFill>
+                <a:srgbClr val="D4D4D4"/>
+              </a:solidFill>
+              <a:effectLst/>
+              <a:latin typeface="Consolas" panose="020B0609020204030204" pitchFamily="49" charset="0"/>
+            </a:endParaRPr>
+          </a:p>
+          <a:p>
+            <a:pPr marL="0" marR="0" lvl="0" indent="0" algn="l" defTabSz="914400" rtl="0" eaLnBrk="1" fontAlgn="auto" latinLnBrk="0" hangingPunct="1">
+              <a:lnSpc>
+                <a:spcPct val="100000"/>
+              </a:lnSpc>
+              <a:spcBef>
+                <a:spcPts val="0"/>
+              </a:spcBef>
+              <a:spcAft>
+                <a:spcPts val="0"/>
+              </a:spcAft>
+              <a:buClr>
+                <a:srgbClr val="000000"/>
+              </a:buClr>
+              <a:buSzPts val="1100"/>
+              <a:buFont typeface="Arial"/>
+              <a:buNone/>
+              <a:tabLst/>
+              <a:defRPr/>
+            </a:pPr>
+            <a:r>
+              <a:rPr lang="en-GB" b="0" dirty="0">
+                <a:solidFill>
+                  <a:srgbClr val="D4D4D4"/>
+                </a:solidFill>
+                <a:effectLst/>
+                <a:latin typeface="Consolas" panose="020B0609020204030204" pitchFamily="49" charset="0"/>
+              </a:rPr>
+              <a:t>Let's see how our example looks in the Octopus Deploy UI…</a:t>
+            </a:r>
+          </a:p>
+          <a:p>
+            <a:pPr marL="0" marR="0" lvl="0" indent="0" algn="l" defTabSz="914400" rtl="0" eaLnBrk="1" fontAlgn="auto" latinLnBrk="0" hangingPunct="1">
+              <a:lnSpc>
+                <a:spcPct val="100000"/>
+              </a:lnSpc>
+              <a:spcBef>
+                <a:spcPts val="0"/>
+              </a:spcBef>
+              <a:spcAft>
+                <a:spcPts val="0"/>
+              </a:spcAft>
+              <a:buClr>
+                <a:srgbClr val="000000"/>
+              </a:buClr>
+              <a:buSzPts val="1100"/>
+              <a:buFont typeface="Arial"/>
+              <a:buNone/>
+              <a:tabLst/>
+              <a:defRPr/>
+            </a:pPr>
+            <a:endParaRPr lang="en-GB" b="0" dirty="0">
+              <a:solidFill>
+                <a:srgbClr val="D4D4D4"/>
+              </a:solidFill>
+              <a:effectLst/>
+              <a:latin typeface="Consolas" panose="020B0609020204030204" pitchFamily="49" charset="0"/>
+            </a:endParaRPr>
+          </a:p>
+          <a:p>
+            <a:pPr marL="0" marR="0" lvl="0" indent="0" algn="l" defTabSz="914400" rtl="0" eaLnBrk="1" fontAlgn="auto" latinLnBrk="0" hangingPunct="1">
+              <a:lnSpc>
+                <a:spcPct val="100000"/>
+              </a:lnSpc>
+              <a:spcBef>
+                <a:spcPts val="0"/>
+              </a:spcBef>
+              <a:spcAft>
+                <a:spcPts val="0"/>
+              </a:spcAft>
+              <a:buClr>
+                <a:srgbClr val="000000"/>
+              </a:buClr>
+              <a:buSzPts val="1100"/>
+              <a:buFont typeface="Arial"/>
+              <a:buNone/>
+              <a:tabLst/>
+              <a:defRPr/>
+            </a:pPr>
+            <a:r>
+              <a:rPr lang="en-GB" b="0" dirty="0">
+                <a:solidFill>
+                  <a:srgbClr val="D4D4D4"/>
+                </a:solidFill>
+                <a:effectLst/>
+                <a:latin typeface="Consolas" panose="020B0609020204030204" pitchFamily="49" charset="0"/>
+              </a:rPr>
+              <a:t>&lt;END SECTION&gt;</a:t>
+            </a:r>
+          </a:p>
+          <a:p>
+            <a:pPr marL="0" marR="0" lvl="0" indent="0" algn="l" defTabSz="914400" rtl="0" eaLnBrk="1" fontAlgn="auto" latinLnBrk="0" hangingPunct="1">
+              <a:lnSpc>
+                <a:spcPct val="100000"/>
+              </a:lnSpc>
+              <a:spcBef>
+                <a:spcPts val="0"/>
+              </a:spcBef>
+              <a:spcAft>
+                <a:spcPts val="0"/>
+              </a:spcAft>
+              <a:buClr>
+                <a:srgbClr val="000000"/>
+              </a:buClr>
+              <a:buSzPts val="1100"/>
+              <a:buFont typeface="Arial"/>
+              <a:buNone/>
+              <a:tabLst/>
+              <a:defRPr/>
+            </a:pPr>
+            <a:endParaRPr lang="en-GB" b="0" dirty="0">
+              <a:solidFill>
+                <a:srgbClr val="D4D4D4"/>
+              </a:solidFill>
+              <a:effectLst/>
+              <a:latin typeface="Consolas" panose="020B0609020204030204" pitchFamily="49" charset="0"/>
+            </a:endParaRPr>
+          </a:p>
+          <a:p>
+            <a:pPr marL="0" marR="0" lvl="0" indent="0" algn="l" defTabSz="914400" rtl="0" eaLnBrk="1" fontAlgn="auto" latinLnBrk="0" hangingPunct="1">
+              <a:lnSpc>
+                <a:spcPct val="100000"/>
+              </a:lnSpc>
+              <a:spcBef>
+                <a:spcPts val="0"/>
+              </a:spcBef>
+              <a:spcAft>
+                <a:spcPts val="0"/>
+              </a:spcAft>
+              <a:buClr>
+                <a:srgbClr val="000000"/>
+              </a:buClr>
+              <a:buSzPts val="1100"/>
+              <a:buFont typeface="Arial"/>
+              <a:buNone/>
+              <a:tabLst/>
+              <a:defRPr/>
+            </a:pPr>
+            <a:endParaRPr lang="en-GB" b="0" dirty="0">
+              <a:solidFill>
+                <a:srgbClr val="D4D4D4"/>
+              </a:solidFill>
+              <a:effectLst/>
+              <a:latin typeface="Consolas" panose="020B0609020204030204" pitchFamily="49" charset="0"/>
+            </a:endParaRPr>
+          </a:p>
+          <a:p>
+            <a:pPr marL="0" lvl="0" indent="0" algn="l" rtl="0">
+              <a:spcBef>
+                <a:spcPts val="0"/>
+              </a:spcBef>
+              <a:spcAft>
+                <a:spcPts val="0"/>
+              </a:spcAft>
+              <a:buNone/>
+            </a:pPr>
+            <a:endParaRPr dirty="0"/>
+          </a:p>
+        </p:txBody>
+      </p:sp>
+    </p:spTree>
+    <p:extLst>
+      <p:ext uri="{BB962C8B-B14F-4D97-AF65-F5344CB8AC3E}">
+        <p14:creationId xmlns:p14="http://schemas.microsoft.com/office/powerpoint/2010/main" val="1161362605"/>
+      </p:ext>
+    </p:extLst>
+  </p:cSld>
+  <p:clrMapOvr>
+    <a:masterClrMapping/>
+  </p:clrMapOvr>
+</p:notes>
+</file>
+
+<file path=ppt/notesSlides/notesSlide11.xml><?xml version="1.0" encoding="utf-8"?>
+<p:notes xmlns:a="http://schemas.openxmlformats.org/drawingml/2006/main" xmlns:r="http://schemas.openxmlformats.org/officeDocument/2006/relationships" xmlns:p="http://schemas.openxmlformats.org/presentationml/2006/main">
+  <p:cSld>
+    <p:spTree>
+      <p:nvGrpSpPr>
+        <p:cNvPr id="1" name=""/>
+        <p:cNvGrpSpPr/>
+        <p:nvPr/>
+      </p:nvGrpSpPr>
+      <p:grpSpPr>
+        <a:xfrm>
+          <a:off x="0" y="0"/>
+          <a:ext cx="0" cy="0"/>
+          <a:chOff x="0" y="0"/>
+          <a:chExt cx="0" cy="0"/>
+        </a:xfrm>
+      </p:grpSpPr>
+      <p:sp>
+        <p:nvSpPr>
+          <p:cNvPr id="2" name="Slide Image Placeholder 1"/>
+          <p:cNvSpPr>
+            <a:spLocks noGrp="1" noRot="1" noChangeAspect="1"/>
+          </p:cNvSpPr>
+          <p:nvPr>
+            <p:ph type="sldImg"/>
+          </p:nvPr>
+        </p:nvSpPr>
+        <p:spPr>
+          <a:xfrm>
+            <a:off x="381000" y="685800"/>
+            <a:ext cx="6096000" cy="3429000"/>
+          </a:xfrm>
+        </p:spPr>
+      </p:sp>
+      <p:sp>
+        <p:nvSpPr>
+          <p:cNvPr id="3" name="Notes Placeholder 2"/>
+          <p:cNvSpPr>
+            <a:spLocks noGrp="1"/>
+          </p:cNvSpPr>
+          <p:nvPr>
+            <p:ph type="body" idx="1"/>
+          </p:nvPr>
+        </p:nvSpPr>
+        <p:spPr/>
+        <p:txBody>
+          <a:bodyPr/>
+          <a:lstStyle/>
+          <a:p>
+            <a:pPr marL="158750" indent="0">
+              <a:buNone/>
+            </a:pPr>
+            <a:r>
+              <a:rPr lang="en-GB" dirty="0"/>
+              <a:t>DEMO</a:t>
+            </a:r>
+          </a:p>
+          <a:p>
+            <a:pPr marL="158750" indent="0">
+              <a:buNone/>
+            </a:pPr>
+            <a:endParaRPr lang="en-GB" dirty="0"/>
+          </a:p>
+          <a:p>
+            <a:pPr marL="0" marR="0" lvl="0" indent="0" algn="l" defTabSz="914400" rtl="0" eaLnBrk="1" fontAlgn="auto" latinLnBrk="0" hangingPunct="1">
+              <a:lnSpc>
+                <a:spcPct val="100000"/>
+              </a:lnSpc>
+              <a:spcBef>
+                <a:spcPts val="0"/>
+              </a:spcBef>
+              <a:spcAft>
+                <a:spcPts val="0"/>
+              </a:spcAft>
+              <a:buClr>
+                <a:srgbClr val="000000"/>
+              </a:buClr>
+              <a:buSzPts val="1100"/>
+              <a:buFont typeface="Arial"/>
+              <a:buNone/>
+              <a:tabLst/>
+              <a:defRPr/>
+            </a:pPr>
+            <a:r>
+              <a:rPr lang="en-GB" b="0" dirty="0">
+                <a:solidFill>
+                  <a:srgbClr val="D4D4D4"/>
+                </a:solidFill>
+                <a:effectLst/>
+                <a:latin typeface="Consolas" panose="020B0609020204030204" pitchFamily="49" charset="0"/>
+              </a:rPr>
+              <a:t>If we navigate to the Infrastructure tab, we can see that our two Environments each contain some Targets. </a:t>
+            </a:r>
+          </a:p>
+          <a:p>
+            <a:pPr marL="0" marR="0" lvl="0" indent="0" algn="l" defTabSz="914400" rtl="0" eaLnBrk="1" fontAlgn="auto" latinLnBrk="0" hangingPunct="1">
+              <a:lnSpc>
+                <a:spcPct val="100000"/>
+              </a:lnSpc>
+              <a:spcBef>
+                <a:spcPts val="0"/>
+              </a:spcBef>
+              <a:spcAft>
+                <a:spcPts val="0"/>
+              </a:spcAft>
+              <a:buClr>
+                <a:srgbClr val="000000"/>
+              </a:buClr>
+              <a:buSzPts val="1100"/>
+              <a:buFont typeface="Arial"/>
+              <a:buNone/>
+              <a:tabLst/>
+              <a:defRPr/>
+            </a:pPr>
+            <a:endParaRPr lang="en-GB" b="0" dirty="0">
+              <a:solidFill>
+                <a:srgbClr val="D4D4D4"/>
+              </a:solidFill>
+              <a:effectLst/>
+              <a:latin typeface="Consolas" panose="020B0609020204030204" pitchFamily="49" charset="0"/>
+            </a:endParaRPr>
+          </a:p>
+          <a:p>
+            <a:pPr marL="0" marR="0" lvl="0" indent="0" algn="l" defTabSz="914400" rtl="0" eaLnBrk="1" fontAlgn="auto" latinLnBrk="0" hangingPunct="1">
+              <a:lnSpc>
+                <a:spcPct val="100000"/>
+              </a:lnSpc>
+              <a:spcBef>
+                <a:spcPts val="0"/>
+              </a:spcBef>
+              <a:spcAft>
+                <a:spcPts val="0"/>
+              </a:spcAft>
+              <a:buClr>
+                <a:srgbClr val="000000"/>
+              </a:buClr>
+              <a:buSzPts val="1100"/>
+              <a:buFont typeface="Arial"/>
+              <a:buNone/>
+              <a:tabLst/>
+              <a:defRPr/>
+            </a:pPr>
+            <a:r>
+              <a:rPr lang="en-GB" b="0" dirty="0">
+                <a:solidFill>
+                  <a:srgbClr val="D4D4D4"/>
+                </a:solidFill>
+                <a:effectLst/>
+                <a:latin typeface="Consolas" panose="020B0609020204030204" pitchFamily="49" charset="0"/>
+              </a:rPr>
+              <a:t>We can also see the Target Roles that we've assigned. If we select Deployment Targets, we can see that each target has been given at least one role, and has been added to at least one environment.</a:t>
+            </a:r>
+          </a:p>
+          <a:p>
+            <a:pPr marL="0" marR="0" lvl="0" indent="0" algn="l" defTabSz="914400" rtl="0" eaLnBrk="1" fontAlgn="auto" latinLnBrk="0" hangingPunct="1">
+              <a:lnSpc>
+                <a:spcPct val="100000"/>
+              </a:lnSpc>
+              <a:spcBef>
+                <a:spcPts val="0"/>
+              </a:spcBef>
+              <a:spcAft>
+                <a:spcPts val="0"/>
+              </a:spcAft>
+              <a:buClr>
+                <a:srgbClr val="000000"/>
+              </a:buClr>
+              <a:buSzPts val="1100"/>
+              <a:buFont typeface="Arial"/>
+              <a:buNone/>
+              <a:tabLst/>
+              <a:defRPr/>
+            </a:pPr>
+            <a:endParaRPr lang="en-GB" b="0" dirty="0">
+              <a:solidFill>
+                <a:srgbClr val="D4D4D4"/>
+              </a:solidFill>
+              <a:effectLst/>
+              <a:latin typeface="Consolas" panose="020B0609020204030204" pitchFamily="49" charset="0"/>
+            </a:endParaRPr>
+          </a:p>
+          <a:p>
+            <a:pPr marL="0" marR="0" lvl="0" indent="0" algn="l" defTabSz="914400" rtl="0" eaLnBrk="1" fontAlgn="auto" latinLnBrk="0" hangingPunct="1">
+              <a:lnSpc>
+                <a:spcPct val="100000"/>
+              </a:lnSpc>
+              <a:spcBef>
+                <a:spcPts val="0"/>
+              </a:spcBef>
+              <a:spcAft>
+                <a:spcPts val="0"/>
+              </a:spcAft>
+              <a:buClr>
+                <a:srgbClr val="000000"/>
+              </a:buClr>
+              <a:buSzPts val="1100"/>
+              <a:buFont typeface="Arial"/>
+              <a:buNone/>
+              <a:tabLst/>
+              <a:defRPr/>
+            </a:pPr>
+            <a:r>
+              <a:rPr lang="en-GB" b="0" dirty="0">
+                <a:solidFill>
+                  <a:srgbClr val="D4D4D4"/>
+                </a:solidFill>
+                <a:effectLst/>
+                <a:latin typeface="Consolas" panose="020B0609020204030204" pitchFamily="49" charset="0"/>
+              </a:rPr>
+              <a:t>The names we've chosen for our Machine Roles follow our naming conventions, and we've named our Deployment Targets after their Amazon EC2 instance ID for simplicity.</a:t>
+            </a:r>
+          </a:p>
+          <a:p>
+            <a:pPr marL="158750" indent="0">
+              <a:buNone/>
+            </a:pPr>
+            <a:endParaRPr lang="en-GB" dirty="0"/>
+          </a:p>
+        </p:txBody>
+      </p:sp>
+    </p:spTree>
+    <p:extLst>
+      <p:ext uri="{BB962C8B-B14F-4D97-AF65-F5344CB8AC3E}">
+        <p14:creationId xmlns:p14="http://schemas.microsoft.com/office/powerpoint/2010/main" val="643469169"/>
+      </p:ext>
+    </p:extLst>
+  </p:cSld>
+  <p:clrMapOvr>
+    <a:masterClrMapping/>
+  </p:clrMapOvr>
+</p:notes>
+</file>
+
+<file path=ppt/notesSlides/notesSlide12.xml><?xml version="1.0" encoding="utf-8"?>
 <p:notes xmlns:a="http://schemas.openxmlformats.org/drawingml/2006/main" xmlns:r="http://schemas.openxmlformats.org/officeDocument/2006/relationships" xmlns:p="http://schemas.openxmlformats.org/presentationml/2006/main" showMasterSp="0" showMasterPhAnim="0">
   <p:cSld>
     <p:spTree>
@@ -794,6 +1778,228 @@
           </a:bodyPr>
           <a:lstStyle/>
           <a:p>
+            <a:pPr marL="0" marR="0" lvl="0" indent="0" algn="l" defTabSz="914400" rtl="0" eaLnBrk="1" fontAlgn="auto" latinLnBrk="0" hangingPunct="1">
+              <a:lnSpc>
+                <a:spcPct val="100000"/>
+              </a:lnSpc>
+              <a:spcBef>
+                <a:spcPts val="0"/>
+              </a:spcBef>
+              <a:spcAft>
+                <a:spcPts val="0"/>
+              </a:spcAft>
+              <a:buClr>
+                <a:srgbClr val="000000"/>
+              </a:buClr>
+              <a:buSzPts val="1100"/>
+              <a:buNone/>
+              <a:tabLst/>
+              <a:defRPr/>
+            </a:pPr>
+            <a:endParaRPr lang="en-GB" b="0" dirty="0">
+              <a:solidFill>
+                <a:srgbClr val="D4D4D4"/>
+              </a:solidFill>
+              <a:effectLst/>
+              <a:latin typeface="Consolas" panose="020B0609020204030204" pitchFamily="49" charset="0"/>
+            </a:endParaRPr>
+          </a:p>
+          <a:p>
+            <a:pPr marL="158750" indent="0">
+              <a:buNone/>
+            </a:pPr>
+            <a:r>
+              <a:rPr lang="en-GB" b="0" dirty="0">
+                <a:solidFill>
+                  <a:srgbClr val="D4D4D4"/>
+                </a:solidFill>
+                <a:effectLst/>
+                <a:latin typeface="Consolas" panose="020B0609020204030204" pitchFamily="49" charset="0"/>
+              </a:rPr>
+              <a:t>To recap, here are some key tips to remember as you create your own Deployment Targets and Machine Roles:</a:t>
+            </a:r>
+          </a:p>
+          <a:p>
+            <a:pPr marL="158750" indent="0">
+              <a:buNone/>
+            </a:pPr>
+            <a:br>
+              <a:rPr lang="en-GB" b="0" dirty="0">
+                <a:solidFill>
+                  <a:srgbClr val="D4D4D4"/>
+                </a:solidFill>
+                <a:effectLst/>
+                <a:latin typeface="Consolas" panose="020B0609020204030204" pitchFamily="49" charset="0"/>
+              </a:rPr>
+            </a:br>
+            <a:r>
+              <a:rPr lang="en-GB" b="0" dirty="0">
+                <a:solidFill>
+                  <a:srgbClr val="6796E6"/>
+                </a:solidFill>
+                <a:effectLst/>
+                <a:latin typeface="Consolas" panose="020B0609020204030204" pitchFamily="49" charset="0"/>
+              </a:rPr>
+              <a:t>-</a:t>
+            </a:r>
+            <a:r>
+              <a:rPr lang="en-GB" b="0" dirty="0">
+                <a:solidFill>
+                  <a:srgbClr val="D4D4D4"/>
+                </a:solidFill>
+                <a:effectLst/>
+                <a:latin typeface="Consolas" panose="020B0609020204030204" pitchFamily="49" charset="0"/>
+              </a:rPr>
+              <a:t> Use systematic names for Deployment Targets.</a:t>
+            </a:r>
+          </a:p>
+          <a:p>
+            <a:pPr marL="158750" indent="0">
+              <a:buNone/>
+            </a:pPr>
+            <a:r>
+              <a:rPr lang="en-GB" b="0" dirty="0">
+                <a:solidFill>
+                  <a:srgbClr val="6796E6"/>
+                </a:solidFill>
+                <a:effectLst/>
+                <a:latin typeface="Consolas" panose="020B0609020204030204" pitchFamily="49" charset="0"/>
+              </a:rPr>
+              <a:t>-</a:t>
+            </a:r>
+            <a:r>
+              <a:rPr lang="en-GB" b="0" dirty="0">
+                <a:solidFill>
+                  <a:srgbClr val="D4D4D4"/>
+                </a:solidFill>
+                <a:effectLst/>
+                <a:latin typeface="Consolas" panose="020B0609020204030204" pitchFamily="49" charset="0"/>
+              </a:rPr>
+              <a:t> Use a specific Machine Role naming convention on Deployment Targets, including the Deployment Project Name. For example: Website-</a:t>
+            </a:r>
+            <a:r>
+              <a:rPr lang="en-GB" b="0" dirty="0" err="1">
+                <a:solidFill>
+                  <a:srgbClr val="D4D4D4"/>
+                </a:solidFill>
+                <a:effectLst/>
+                <a:latin typeface="Consolas" panose="020B0609020204030204" pitchFamily="49" charset="0"/>
+              </a:rPr>
+              <a:t>WebServer</a:t>
+            </a:r>
+            <a:r>
+              <a:rPr lang="en-GB" b="0" dirty="0">
+                <a:solidFill>
+                  <a:srgbClr val="D4D4D4"/>
+                </a:solidFill>
+                <a:effectLst/>
+                <a:latin typeface="Consolas" panose="020B0609020204030204" pitchFamily="49" charset="0"/>
+              </a:rPr>
+              <a:t> or Docs-Database</a:t>
+            </a:r>
+          </a:p>
+          <a:p>
+            <a:pPr marL="158750" indent="0">
+              <a:buNone/>
+            </a:pPr>
+            <a:r>
+              <a:rPr lang="en-GB" b="0" dirty="0">
+                <a:solidFill>
+                  <a:srgbClr val="6796E6"/>
+                </a:solidFill>
+                <a:effectLst/>
+                <a:latin typeface="Consolas" panose="020B0609020204030204" pitchFamily="49" charset="0"/>
+              </a:rPr>
+              <a:t>-</a:t>
+            </a:r>
+            <a:r>
+              <a:rPr lang="en-GB" b="0" dirty="0">
+                <a:solidFill>
+                  <a:srgbClr val="D4D4D4"/>
+                </a:solidFill>
+                <a:effectLst/>
+                <a:latin typeface="Consolas" panose="020B0609020204030204" pitchFamily="49" charset="0"/>
+              </a:rPr>
+              <a:t> Use generic Machine Roles for maintenance runbooks. For Example: IIS or MSSQL</a:t>
+            </a:r>
+          </a:p>
+          <a:p>
+            <a:pPr marL="158750" indent="0">
+              <a:buNone/>
+            </a:pPr>
+            <a:br>
+              <a:rPr lang="en-GB" b="0" dirty="0">
+                <a:solidFill>
+                  <a:srgbClr val="D4D4D4"/>
+                </a:solidFill>
+                <a:effectLst/>
+                <a:latin typeface="Consolas" panose="020B0609020204030204" pitchFamily="49" charset="0"/>
+              </a:rPr>
+            </a:br>
+            <a:r>
+              <a:rPr lang="en-GB" b="0" dirty="0">
+                <a:solidFill>
+                  <a:srgbClr val="D4D4D4"/>
+                </a:solidFill>
+                <a:effectLst/>
+                <a:latin typeface="Consolas" panose="020B0609020204030204" pitchFamily="49" charset="0"/>
+              </a:rPr>
+              <a:t>In the next class, we'll create a new Deployment Target and assign it a Machine Role.</a:t>
+            </a:r>
+          </a:p>
+          <a:p>
+            <a:pPr marL="158750" indent="0">
+              <a:buNone/>
+            </a:pPr>
+            <a:br>
+              <a:rPr lang="en-GB" b="0" dirty="0">
+                <a:solidFill>
+                  <a:srgbClr val="D4D4D4"/>
+                </a:solidFill>
+                <a:effectLst/>
+                <a:latin typeface="Consolas" panose="020B0609020204030204" pitchFamily="49" charset="0"/>
+              </a:rPr>
+            </a:br>
+            <a:r>
+              <a:rPr lang="en-GB" b="0" dirty="0">
+                <a:solidFill>
+                  <a:srgbClr val="D4D4D4"/>
+                </a:solidFill>
+                <a:effectLst/>
+                <a:latin typeface="Consolas" panose="020B0609020204030204" pitchFamily="49" charset="0"/>
+              </a:rPr>
+              <a:t>Thank you for watching, and happy deployments.</a:t>
+            </a:r>
+          </a:p>
+          <a:p>
+            <a:pPr marL="0" marR="0" lvl="0" indent="0" algn="l" defTabSz="914400" rtl="0" eaLnBrk="1" fontAlgn="auto" latinLnBrk="0" hangingPunct="1">
+              <a:lnSpc>
+                <a:spcPct val="100000"/>
+              </a:lnSpc>
+              <a:spcBef>
+                <a:spcPts val="0"/>
+              </a:spcBef>
+              <a:spcAft>
+                <a:spcPts val="0"/>
+              </a:spcAft>
+              <a:buClr>
+                <a:srgbClr val="000000"/>
+              </a:buClr>
+              <a:buSzPts val="1100"/>
+              <a:buFont typeface="Arial"/>
+              <a:buNone/>
+              <a:tabLst/>
+              <a:defRPr/>
+            </a:pPr>
+            <a:endParaRPr lang="en-GB" b="0" dirty="0">
+              <a:solidFill>
+                <a:srgbClr val="D4D4D4"/>
+              </a:solidFill>
+              <a:effectLst/>
+              <a:latin typeface="Consolas" panose="020B0609020204030204" pitchFamily="49" charset="0"/>
+            </a:endParaRPr>
+          </a:p>
+          <a:p>
             <a:pPr marL="0" lvl="0" indent="0" algn="l" rtl="0">
               <a:spcBef>
                 <a:spcPts val="0"/>
@@ -803,11 +2009,16 @@
               </a:spcAft>
               <a:buNone/>
             </a:pPr>
-            <a:endParaRPr/>
+            <a:endParaRPr dirty="0"/>
           </a:p>
         </p:txBody>
       </p:sp>
     </p:spTree>
+    <p:extLst>
+      <p:ext uri="{BB962C8B-B14F-4D97-AF65-F5344CB8AC3E}">
+        <p14:creationId xmlns:p14="http://schemas.microsoft.com/office/powerpoint/2010/main" val="93763742"/>
+      </p:ext>
+    </p:extLst>
   </p:cSld>
   <p:clrMapOvr>
     <a:masterClrMapping/>
@@ -815,7 +2026,7 @@
 </p:notes>
 </file>
 
-<file path=ppt/notesSlides/notesSlide10.xml><?xml version="1.0" encoding="utf-8"?>
+<file path=ppt/notesSlides/notesSlide2.xml><?xml version="1.0" encoding="utf-8"?>
 <p:notes xmlns:a="http://schemas.openxmlformats.org/drawingml/2006/main" xmlns:r="http://schemas.openxmlformats.org/officeDocument/2006/relationships" xmlns:p="http://schemas.openxmlformats.org/presentationml/2006/main" showMasterSp="0" showMasterPhAnim="0">
   <p:cSld>
     <p:spTree>
@@ -898,6 +2109,138 @@
           </a:bodyPr>
           <a:lstStyle/>
           <a:p>
+            <a:pPr marL="158750" indent="0">
+              <a:buNone/>
+            </a:pPr>
+            <a:r>
+              <a:rPr lang="en-GB" b="0" dirty="0">
+                <a:solidFill>
+                  <a:srgbClr val="D4D4D4"/>
+                </a:solidFill>
+                <a:effectLst/>
+                <a:latin typeface="Consolas" panose="020B0609020204030204" pitchFamily="49" charset="0"/>
+              </a:rPr>
+              <a:t>We'll cover:</a:t>
+            </a:r>
+          </a:p>
+          <a:p>
+            <a:pPr marL="158750" indent="0">
+              <a:buNone/>
+            </a:pPr>
+            <a:br>
+              <a:rPr lang="en-GB" b="0" dirty="0">
+                <a:solidFill>
+                  <a:srgbClr val="D4D4D4"/>
+                </a:solidFill>
+                <a:effectLst/>
+                <a:latin typeface="Consolas" panose="020B0609020204030204" pitchFamily="49" charset="0"/>
+              </a:rPr>
+            </a:br>
+            <a:r>
+              <a:rPr lang="en-GB" b="0" dirty="0">
+                <a:solidFill>
+                  <a:srgbClr val="6796E6"/>
+                </a:solidFill>
+                <a:effectLst/>
+                <a:latin typeface="Consolas" panose="020B0609020204030204" pitchFamily="49" charset="0"/>
+              </a:rPr>
+              <a:t>-</a:t>
+            </a:r>
+            <a:r>
+              <a:rPr lang="en-GB" b="0" dirty="0">
+                <a:solidFill>
+                  <a:srgbClr val="D4D4D4"/>
+                </a:solidFill>
+                <a:effectLst/>
+                <a:latin typeface="Consolas" panose="020B0609020204030204" pitchFamily="49" charset="0"/>
+              </a:rPr>
+              <a:t> Definitions for both Deployment Target and Machine Roles. </a:t>
+            </a:r>
+          </a:p>
+          <a:p>
+            <a:pPr marL="158750" indent="0">
+              <a:buNone/>
+            </a:pPr>
+            <a:r>
+              <a:rPr lang="en-GB" b="0" dirty="0">
+                <a:solidFill>
+                  <a:srgbClr val="6796E6"/>
+                </a:solidFill>
+                <a:effectLst/>
+                <a:latin typeface="Consolas" panose="020B0609020204030204" pitchFamily="49" charset="0"/>
+              </a:rPr>
+              <a:t>-</a:t>
+            </a:r>
+            <a:r>
+              <a:rPr lang="en-GB" b="0" dirty="0">
+                <a:solidFill>
+                  <a:srgbClr val="D4D4D4"/>
+                </a:solidFill>
+                <a:effectLst/>
+                <a:latin typeface="Consolas" panose="020B0609020204030204" pitchFamily="49" charset="0"/>
+              </a:rPr>
+              <a:t> How to use Machine Roles to configure which tasks get executed on each Deployment Target within each environment. </a:t>
+            </a:r>
+          </a:p>
+          <a:p>
+            <a:pPr marL="158750" indent="0">
+              <a:buFontTx/>
+              <a:buNone/>
+            </a:pPr>
+            <a:r>
+              <a:rPr lang="en-GB" b="0" dirty="0">
+                <a:solidFill>
+                  <a:srgbClr val="D4D4D4"/>
+                </a:solidFill>
+                <a:effectLst/>
+                <a:latin typeface="Consolas" panose="020B0609020204030204" pitchFamily="49" charset="0"/>
+              </a:rPr>
+              <a:t>- And advice on Machine Role and Deployment Target naming conventions.</a:t>
+            </a:r>
+          </a:p>
+          <a:p>
+            <a:pPr marL="457200" indent="-298450">
+              <a:buFontTx/>
+              <a:buChar char="-"/>
+            </a:pPr>
+            <a:endParaRPr lang="en-GB" b="0" dirty="0">
+              <a:solidFill>
+                <a:srgbClr val="D4D4D4"/>
+              </a:solidFill>
+              <a:effectLst/>
+              <a:latin typeface="Consolas" panose="020B0609020204030204" pitchFamily="49" charset="0"/>
+            </a:endParaRPr>
+          </a:p>
+          <a:p>
+            <a:pPr marL="457200" indent="-298450">
+              <a:buFontTx/>
+              <a:buChar char="-"/>
+            </a:pPr>
+            <a:endParaRPr lang="en-GB" b="0" dirty="0">
+              <a:solidFill>
+                <a:srgbClr val="D4D4D4"/>
+              </a:solidFill>
+              <a:effectLst/>
+              <a:latin typeface="Consolas" panose="020B0609020204030204" pitchFamily="49" charset="0"/>
+            </a:endParaRPr>
+          </a:p>
+          <a:p>
+            <a:pPr marL="158750" indent="0">
+              <a:buFontTx/>
+              <a:buNone/>
+            </a:pPr>
+            <a:r>
+              <a:rPr lang="en-GB" b="0" dirty="0">
+                <a:solidFill>
+                  <a:srgbClr val="D4D4D4"/>
+                </a:solidFill>
+                <a:effectLst/>
+                <a:latin typeface="Consolas" panose="020B0609020204030204" pitchFamily="49" charset="0"/>
+              </a:rPr>
+              <a:t>Deployment Targets are the machines and services…</a:t>
+            </a:r>
+          </a:p>
+          <a:p>
             <a:pPr marL="0" lvl="0" indent="0" algn="l" rtl="0">
               <a:spcBef>
                 <a:spcPts val="0"/>
@@ -907,16 +2250,11 @@
               </a:spcAft>
               <a:buNone/>
             </a:pPr>
-            <a:endParaRPr/>
+            <a:endParaRPr dirty="0"/>
           </a:p>
         </p:txBody>
       </p:sp>
     </p:spTree>
-    <p:extLst>
-      <p:ext uri="{BB962C8B-B14F-4D97-AF65-F5344CB8AC3E}">
-        <p14:creationId xmlns:p14="http://schemas.microsoft.com/office/powerpoint/2010/main" val="93763742"/>
-      </p:ext>
-    </p:extLst>
   </p:cSld>
   <p:clrMapOvr>
     <a:masterClrMapping/>
@@ -924,12 +2262,12 @@
 </p:notes>
 </file>
 
-<file path=ppt/notesSlides/notesSlide2.xml><?xml version="1.0" encoding="utf-8"?>
+<file path=ppt/notesSlides/notesSlide3.xml><?xml version="1.0" encoding="utf-8"?>
 <p:notes xmlns:a="http://schemas.openxmlformats.org/drawingml/2006/main" xmlns:r="http://schemas.openxmlformats.org/officeDocument/2006/relationships" xmlns:p="http://schemas.openxmlformats.org/presentationml/2006/main" showMasterSp="0" showMasterPhAnim="0">
   <p:cSld>
     <p:spTree>
       <p:nvGrpSpPr>
-        <p:cNvPr id="1" name="Shape 59"/>
+        <p:cNvPr id="1" name="Shape 53"/>
         <p:cNvGrpSpPr/>
         <p:nvPr/>
       </p:nvGrpSpPr>
@@ -943,7 +2281,7 @@
       </p:grpSpPr>
       <p:sp>
         <p:nvSpPr>
-          <p:cNvPr id="60" name="Google Shape;60;g10e8f13418e_0_11:notes"/>
+          <p:cNvPr id="54" name="Google Shape;54;g10e8f13418e_0_6:notes"/>
           <p:cNvSpPr>
             <a:spLocks noGrp="1" noRot="1" noChangeAspect="1"/>
           </p:cNvSpPr>
@@ -984,7 +2322,7 @@
       </p:sp>
       <p:sp>
         <p:nvSpPr>
-          <p:cNvPr id="61" name="Google Shape;61;g10e8f13418e_0_11:notes"/>
+          <p:cNvPr id="55" name="Google Shape;55;g10e8f13418e_0_6:notes"/>
           <p:cNvSpPr txBox="1">
             <a:spLocks noGrp="1"/>
           </p:cNvSpPr>
@@ -1007,6 +2345,664 @@
           </a:bodyPr>
           <a:lstStyle/>
           <a:p>
+            <a:pPr marL="0" marR="0" lvl="0" indent="0" algn="l" defTabSz="914400" rtl="0" eaLnBrk="1" fontAlgn="auto" latinLnBrk="0" hangingPunct="1">
+              <a:lnSpc>
+                <a:spcPct val="100000"/>
+              </a:lnSpc>
+              <a:spcBef>
+                <a:spcPts val="0"/>
+              </a:spcBef>
+              <a:spcAft>
+                <a:spcPts val="0"/>
+              </a:spcAft>
+              <a:buClr>
+                <a:srgbClr val="000000"/>
+              </a:buClr>
+              <a:buSzPts val="1100"/>
+              <a:buFont typeface="Arial"/>
+              <a:buNone/>
+              <a:tabLst/>
+              <a:defRPr/>
+            </a:pPr>
+            <a:r>
+              <a:rPr lang="en-GB" b="0" dirty="0">
+                <a:solidFill>
+                  <a:srgbClr val="D4D4D4"/>
+                </a:solidFill>
+                <a:effectLst/>
+                <a:latin typeface="Consolas" panose="020B0609020204030204" pitchFamily="49" charset="0"/>
+              </a:rPr>
+              <a:t>Deployment Targets are the machines and services…</a:t>
+            </a:r>
+          </a:p>
+          <a:p>
+            <a:pPr marL="0" marR="0" lvl="0" indent="0" algn="l" defTabSz="914400" rtl="0" eaLnBrk="1" fontAlgn="auto" latinLnBrk="0" hangingPunct="1">
+              <a:lnSpc>
+                <a:spcPct val="100000"/>
+              </a:lnSpc>
+              <a:spcBef>
+                <a:spcPts val="0"/>
+              </a:spcBef>
+              <a:spcAft>
+                <a:spcPts val="0"/>
+              </a:spcAft>
+              <a:buClr>
+                <a:srgbClr val="000000"/>
+              </a:buClr>
+              <a:buSzPts val="1100"/>
+              <a:buFont typeface="Arial"/>
+              <a:buNone/>
+              <a:tabLst/>
+              <a:defRPr/>
+            </a:pPr>
+            <a:endParaRPr lang="en-GB" b="0" dirty="0">
+              <a:solidFill>
+                <a:srgbClr val="D4D4D4"/>
+              </a:solidFill>
+              <a:effectLst/>
+              <a:latin typeface="Consolas" panose="020B0609020204030204" pitchFamily="49" charset="0"/>
+            </a:endParaRPr>
+          </a:p>
+          <a:p>
+            <a:pPr marL="0" marR="0" lvl="0" indent="0" algn="l" defTabSz="914400" rtl="0" eaLnBrk="1" fontAlgn="auto" latinLnBrk="0" hangingPunct="1">
+              <a:lnSpc>
+                <a:spcPct val="100000"/>
+              </a:lnSpc>
+              <a:spcBef>
+                <a:spcPts val="0"/>
+              </a:spcBef>
+              <a:spcAft>
+                <a:spcPts val="0"/>
+              </a:spcAft>
+              <a:buClr>
+                <a:srgbClr val="000000"/>
+              </a:buClr>
+              <a:buSzPts val="1100"/>
+              <a:buFont typeface="Arial"/>
+              <a:buNone/>
+              <a:tabLst/>
+              <a:defRPr/>
+            </a:pPr>
+            <a:r>
+              <a:rPr lang="en-GB" b="0" dirty="0">
+                <a:solidFill>
+                  <a:srgbClr val="D4D4D4"/>
+                </a:solidFill>
+                <a:effectLst/>
+                <a:latin typeface="Consolas" panose="020B0609020204030204" pitchFamily="49" charset="0"/>
+              </a:rPr>
+              <a:t>…where your application gets deployed. </a:t>
+            </a:r>
+          </a:p>
+          <a:p>
+            <a:pPr marL="0" marR="0" lvl="0" indent="0" algn="l" defTabSz="914400" rtl="0" eaLnBrk="1" fontAlgn="auto" latinLnBrk="0" hangingPunct="1">
+              <a:lnSpc>
+                <a:spcPct val="100000"/>
+              </a:lnSpc>
+              <a:spcBef>
+                <a:spcPts val="0"/>
+              </a:spcBef>
+              <a:spcAft>
+                <a:spcPts val="0"/>
+              </a:spcAft>
+              <a:buClr>
+                <a:srgbClr val="000000"/>
+              </a:buClr>
+              <a:buSzPts val="1100"/>
+              <a:buFont typeface="Arial"/>
+              <a:buNone/>
+              <a:tabLst/>
+              <a:defRPr/>
+            </a:pPr>
+            <a:endParaRPr lang="en-GB" b="0" dirty="0">
+              <a:solidFill>
+                <a:srgbClr val="D4D4D4"/>
+              </a:solidFill>
+              <a:effectLst/>
+              <a:latin typeface="Consolas" panose="020B0609020204030204" pitchFamily="49" charset="0"/>
+            </a:endParaRPr>
+          </a:p>
+          <a:p>
+            <a:pPr marL="0" marR="0" lvl="0" indent="0" algn="l" defTabSz="914400" rtl="0" eaLnBrk="1" fontAlgn="auto" latinLnBrk="0" hangingPunct="1">
+              <a:lnSpc>
+                <a:spcPct val="100000"/>
+              </a:lnSpc>
+              <a:spcBef>
+                <a:spcPts val="0"/>
+              </a:spcBef>
+              <a:spcAft>
+                <a:spcPts val="0"/>
+              </a:spcAft>
+              <a:buClr>
+                <a:srgbClr val="000000"/>
+              </a:buClr>
+              <a:buSzPts val="1100"/>
+              <a:buFont typeface="Arial"/>
+              <a:buNone/>
+              <a:tabLst/>
+              <a:defRPr/>
+            </a:pPr>
+            <a:r>
+              <a:rPr lang="en-GB" b="0" dirty="0">
+                <a:solidFill>
+                  <a:srgbClr val="D4D4D4"/>
+                </a:solidFill>
+                <a:effectLst/>
+                <a:latin typeface="Consolas" panose="020B0609020204030204" pitchFamily="49" charset="0"/>
+              </a:rPr>
+              <a:t>For example…</a:t>
+            </a:r>
+          </a:p>
+          <a:p>
+            <a:pPr marL="0" marR="0" lvl="0" indent="0" algn="l" defTabSz="914400" rtl="0" eaLnBrk="1" fontAlgn="auto" latinLnBrk="0" hangingPunct="1">
+              <a:lnSpc>
+                <a:spcPct val="100000"/>
+              </a:lnSpc>
+              <a:spcBef>
+                <a:spcPts val="0"/>
+              </a:spcBef>
+              <a:spcAft>
+                <a:spcPts val="0"/>
+              </a:spcAft>
+              <a:buClr>
+                <a:srgbClr val="000000"/>
+              </a:buClr>
+              <a:buSzPts val="1100"/>
+              <a:buFont typeface="Arial"/>
+              <a:buNone/>
+              <a:tabLst/>
+              <a:defRPr/>
+            </a:pPr>
+            <a:endParaRPr lang="en-GB" b="0" dirty="0">
+              <a:solidFill>
+                <a:srgbClr val="D4D4D4"/>
+              </a:solidFill>
+              <a:effectLst/>
+              <a:latin typeface="Consolas" panose="020B0609020204030204" pitchFamily="49" charset="0"/>
+            </a:endParaRPr>
+          </a:p>
+          <a:p>
+            <a:pPr marL="0" marR="0" lvl="0" indent="0" algn="l" defTabSz="914400" rtl="0" eaLnBrk="1" fontAlgn="auto" latinLnBrk="0" hangingPunct="1">
+              <a:lnSpc>
+                <a:spcPct val="100000"/>
+              </a:lnSpc>
+              <a:spcBef>
+                <a:spcPts val="0"/>
+              </a:spcBef>
+              <a:spcAft>
+                <a:spcPts val="0"/>
+              </a:spcAft>
+              <a:buClr>
+                <a:srgbClr val="000000"/>
+              </a:buClr>
+              <a:buSzPts val="1100"/>
+              <a:buFont typeface="Arial"/>
+              <a:buNone/>
+              <a:tabLst/>
+              <a:defRPr/>
+            </a:pPr>
+            <a:r>
+              <a:rPr lang="en-GB" b="0" dirty="0">
+                <a:solidFill>
+                  <a:srgbClr val="D4D4D4"/>
+                </a:solidFill>
+                <a:effectLst/>
+                <a:latin typeface="Consolas" panose="020B0609020204030204" pitchFamily="49" charset="0"/>
+              </a:rPr>
+              <a:t>CLICK</a:t>
+            </a:r>
+          </a:p>
+          <a:p>
+            <a:pPr marL="0" marR="0" lvl="0" indent="0" algn="l" defTabSz="914400" rtl="0" eaLnBrk="1" fontAlgn="auto" latinLnBrk="0" hangingPunct="1">
+              <a:lnSpc>
+                <a:spcPct val="100000"/>
+              </a:lnSpc>
+              <a:spcBef>
+                <a:spcPts val="0"/>
+              </a:spcBef>
+              <a:spcAft>
+                <a:spcPts val="0"/>
+              </a:spcAft>
+              <a:buClr>
+                <a:srgbClr val="000000"/>
+              </a:buClr>
+              <a:buSzPts val="1100"/>
+              <a:buFont typeface="Arial"/>
+              <a:buNone/>
+              <a:tabLst/>
+              <a:defRPr/>
+            </a:pPr>
+            <a:r>
+              <a:rPr lang="en-GB" b="0" dirty="0">
+                <a:solidFill>
+                  <a:srgbClr val="D4D4D4"/>
+                </a:solidFill>
+                <a:effectLst/>
+                <a:latin typeface="Consolas" panose="020B0609020204030204" pitchFamily="49" charset="0"/>
+              </a:rPr>
+              <a:t>…this might be a physical or virtual machine running in AWS, Azure, GCP, or your own data centre. </a:t>
+            </a:r>
+          </a:p>
+          <a:p>
+            <a:pPr marL="0" marR="0" lvl="0" indent="0" algn="l" defTabSz="914400" rtl="0" eaLnBrk="1" fontAlgn="auto" latinLnBrk="0" hangingPunct="1">
+              <a:lnSpc>
+                <a:spcPct val="100000"/>
+              </a:lnSpc>
+              <a:spcBef>
+                <a:spcPts val="0"/>
+              </a:spcBef>
+              <a:spcAft>
+                <a:spcPts val="0"/>
+              </a:spcAft>
+              <a:buClr>
+                <a:srgbClr val="000000"/>
+              </a:buClr>
+              <a:buSzPts val="1100"/>
+              <a:buFont typeface="Arial"/>
+              <a:buNone/>
+              <a:tabLst/>
+              <a:defRPr/>
+            </a:pPr>
+            <a:endParaRPr lang="en-GB" b="0" dirty="0">
+              <a:solidFill>
+                <a:srgbClr val="D4D4D4"/>
+              </a:solidFill>
+              <a:effectLst/>
+              <a:latin typeface="Consolas" panose="020B0609020204030204" pitchFamily="49" charset="0"/>
+            </a:endParaRPr>
+          </a:p>
+          <a:p>
+            <a:pPr marL="0" marR="0" lvl="0" indent="0" algn="l" defTabSz="914400" rtl="0" eaLnBrk="1" fontAlgn="auto" latinLnBrk="0" hangingPunct="1">
+              <a:lnSpc>
+                <a:spcPct val="100000"/>
+              </a:lnSpc>
+              <a:spcBef>
+                <a:spcPts val="0"/>
+              </a:spcBef>
+              <a:spcAft>
+                <a:spcPts val="0"/>
+              </a:spcAft>
+              <a:buClr>
+                <a:srgbClr val="000000"/>
+              </a:buClr>
+              <a:buSzPts val="1100"/>
+              <a:buFont typeface="Arial"/>
+              <a:buNone/>
+              <a:tabLst/>
+              <a:defRPr/>
+            </a:pPr>
+            <a:r>
+              <a:rPr lang="en-GB" b="0" dirty="0">
+                <a:solidFill>
+                  <a:srgbClr val="D4D4D4"/>
+                </a:solidFill>
+                <a:effectLst/>
+                <a:latin typeface="Consolas" panose="020B0609020204030204" pitchFamily="49" charset="0"/>
+              </a:rPr>
+              <a:t>CLICK</a:t>
+            </a:r>
+          </a:p>
+          <a:p>
+            <a:pPr marL="0" marR="0" lvl="0" indent="0" algn="l" defTabSz="914400" rtl="0" eaLnBrk="1" fontAlgn="auto" latinLnBrk="0" hangingPunct="1">
+              <a:lnSpc>
+                <a:spcPct val="100000"/>
+              </a:lnSpc>
+              <a:spcBef>
+                <a:spcPts val="0"/>
+              </a:spcBef>
+              <a:spcAft>
+                <a:spcPts val="0"/>
+              </a:spcAft>
+              <a:buClr>
+                <a:srgbClr val="000000"/>
+              </a:buClr>
+              <a:buSzPts val="1100"/>
+              <a:buFont typeface="Arial"/>
+              <a:buNone/>
+              <a:tabLst/>
+              <a:defRPr/>
+            </a:pPr>
+            <a:r>
+              <a:rPr lang="en-GB" b="0" dirty="0">
+                <a:solidFill>
+                  <a:srgbClr val="D4D4D4"/>
+                </a:solidFill>
+                <a:effectLst/>
+                <a:latin typeface="Consolas" panose="020B0609020204030204" pitchFamily="49" charset="0"/>
+              </a:rPr>
+              <a:t>Octopus also has native support for various Platform-As-A-Service endpoints, such as Azure Web Apps or AWS ECS Clusters.</a:t>
+            </a:r>
+          </a:p>
+          <a:p>
+            <a:pPr marL="0" marR="0" lvl="0" indent="0" algn="l" defTabSz="914400" rtl="0" eaLnBrk="1" fontAlgn="auto" latinLnBrk="0" hangingPunct="1">
+              <a:lnSpc>
+                <a:spcPct val="100000"/>
+              </a:lnSpc>
+              <a:spcBef>
+                <a:spcPts val="0"/>
+              </a:spcBef>
+              <a:spcAft>
+                <a:spcPts val="0"/>
+              </a:spcAft>
+              <a:buClr>
+                <a:srgbClr val="000000"/>
+              </a:buClr>
+              <a:buSzPts val="1100"/>
+              <a:buFont typeface="Arial"/>
+              <a:buNone/>
+              <a:tabLst/>
+              <a:defRPr/>
+            </a:pPr>
+            <a:endParaRPr lang="en-GB" b="0" dirty="0">
+              <a:solidFill>
+                <a:srgbClr val="D4D4D4"/>
+              </a:solidFill>
+              <a:effectLst/>
+              <a:latin typeface="Consolas" panose="020B0609020204030204" pitchFamily="49" charset="0"/>
+            </a:endParaRPr>
+          </a:p>
+          <a:p>
+            <a:pPr marL="0" marR="0" lvl="0" indent="0" algn="l" defTabSz="914400" rtl="0" eaLnBrk="1" fontAlgn="auto" latinLnBrk="0" hangingPunct="1">
+              <a:lnSpc>
+                <a:spcPct val="100000"/>
+              </a:lnSpc>
+              <a:spcBef>
+                <a:spcPts val="0"/>
+              </a:spcBef>
+              <a:spcAft>
+                <a:spcPts val="0"/>
+              </a:spcAft>
+              <a:buClr>
+                <a:srgbClr val="000000"/>
+              </a:buClr>
+              <a:buSzPts val="1100"/>
+              <a:buFont typeface="Arial"/>
+              <a:buNone/>
+              <a:tabLst/>
+              <a:defRPr/>
+            </a:pPr>
+            <a:r>
+              <a:rPr lang="en-GB" b="0" dirty="0">
+                <a:solidFill>
+                  <a:srgbClr val="D4D4D4"/>
+                </a:solidFill>
+                <a:effectLst/>
+                <a:latin typeface="Consolas" panose="020B0609020204030204" pitchFamily="49" charset="0"/>
+              </a:rPr>
+              <a:t>CLICK</a:t>
+            </a:r>
+          </a:p>
+          <a:p>
+            <a:pPr marL="0" marR="0" lvl="0" indent="0" algn="l" defTabSz="914400" rtl="0" eaLnBrk="1" fontAlgn="auto" latinLnBrk="0" hangingPunct="1">
+              <a:lnSpc>
+                <a:spcPct val="100000"/>
+              </a:lnSpc>
+              <a:spcBef>
+                <a:spcPts val="0"/>
+              </a:spcBef>
+              <a:spcAft>
+                <a:spcPts val="0"/>
+              </a:spcAft>
+              <a:buClr>
+                <a:srgbClr val="000000"/>
+              </a:buClr>
+              <a:buSzPts val="1100"/>
+              <a:buFont typeface="Arial"/>
+              <a:buNone/>
+              <a:tabLst/>
+              <a:defRPr/>
+            </a:pPr>
+            <a:r>
+              <a:rPr lang="en-GB" b="0" dirty="0">
+                <a:solidFill>
+                  <a:srgbClr val="D4D4D4"/>
+                </a:solidFill>
+                <a:effectLst/>
+                <a:latin typeface="Consolas" panose="020B0609020204030204" pitchFamily="49" charset="0"/>
+              </a:rPr>
+              <a:t>You can also set up either a Kubernetes Cluster </a:t>
+            </a:r>
+          </a:p>
+          <a:p>
+            <a:pPr marL="0" marR="0" lvl="0" indent="0" algn="l" defTabSz="914400" rtl="0" eaLnBrk="1" fontAlgn="auto" latinLnBrk="0" hangingPunct="1">
+              <a:lnSpc>
+                <a:spcPct val="100000"/>
+              </a:lnSpc>
+              <a:spcBef>
+                <a:spcPts val="0"/>
+              </a:spcBef>
+              <a:spcAft>
+                <a:spcPts val="0"/>
+              </a:spcAft>
+              <a:buClr>
+                <a:srgbClr val="000000"/>
+              </a:buClr>
+              <a:buSzPts val="1100"/>
+              <a:buFont typeface="Arial"/>
+              <a:buNone/>
+              <a:tabLst/>
+              <a:defRPr/>
+            </a:pPr>
+            <a:endParaRPr lang="en-GB" b="0" dirty="0">
+              <a:solidFill>
+                <a:srgbClr val="D4D4D4"/>
+              </a:solidFill>
+              <a:effectLst/>
+              <a:latin typeface="Consolas" panose="020B0609020204030204" pitchFamily="49" charset="0"/>
+            </a:endParaRPr>
+          </a:p>
+          <a:p>
+            <a:pPr marL="0" marR="0" lvl="0" indent="0" algn="l" defTabSz="914400" rtl="0" eaLnBrk="1" fontAlgn="auto" latinLnBrk="0" hangingPunct="1">
+              <a:lnSpc>
+                <a:spcPct val="100000"/>
+              </a:lnSpc>
+              <a:spcBef>
+                <a:spcPts val="0"/>
+              </a:spcBef>
+              <a:spcAft>
+                <a:spcPts val="0"/>
+              </a:spcAft>
+              <a:buClr>
+                <a:srgbClr val="000000"/>
+              </a:buClr>
+              <a:buSzPts val="1100"/>
+              <a:buFont typeface="Arial"/>
+              <a:buNone/>
+              <a:tabLst/>
+              <a:defRPr/>
+            </a:pPr>
+            <a:r>
+              <a:rPr lang="en-GB" b="0" dirty="0">
+                <a:solidFill>
+                  <a:srgbClr val="D4D4D4"/>
+                </a:solidFill>
+                <a:effectLst/>
+                <a:latin typeface="Consolas" panose="020B0609020204030204" pitchFamily="49" charset="0"/>
+              </a:rPr>
+              <a:t>CLICK</a:t>
+            </a:r>
+          </a:p>
+          <a:p>
+            <a:pPr marL="0" marR="0" lvl="0" indent="0" algn="l" defTabSz="914400" rtl="0" eaLnBrk="1" fontAlgn="auto" latinLnBrk="0" hangingPunct="1">
+              <a:lnSpc>
+                <a:spcPct val="100000"/>
+              </a:lnSpc>
+              <a:spcBef>
+                <a:spcPts val="0"/>
+              </a:spcBef>
+              <a:spcAft>
+                <a:spcPts val="0"/>
+              </a:spcAft>
+              <a:buClr>
+                <a:srgbClr val="000000"/>
+              </a:buClr>
+              <a:buSzPts val="1100"/>
+              <a:buFont typeface="Arial"/>
+              <a:buNone/>
+              <a:tabLst/>
+              <a:defRPr/>
+            </a:pPr>
+            <a:r>
+              <a:rPr lang="en-GB" b="0" dirty="0">
+                <a:solidFill>
+                  <a:srgbClr val="D4D4D4"/>
+                </a:solidFill>
+                <a:effectLst/>
+                <a:latin typeface="Consolas" panose="020B0609020204030204" pitchFamily="49" charset="0"/>
+              </a:rPr>
+              <a:t>or a specific Cloud Region as a Deployment Target.</a:t>
+            </a:r>
+          </a:p>
+          <a:p>
+            <a:pPr marL="0" marR="0" lvl="0" indent="0" algn="l" defTabSz="914400" rtl="0" eaLnBrk="1" fontAlgn="auto" latinLnBrk="0" hangingPunct="1">
+              <a:lnSpc>
+                <a:spcPct val="100000"/>
+              </a:lnSpc>
+              <a:spcBef>
+                <a:spcPts val="0"/>
+              </a:spcBef>
+              <a:spcAft>
+                <a:spcPts val="0"/>
+              </a:spcAft>
+              <a:buClr>
+                <a:srgbClr val="000000"/>
+              </a:buClr>
+              <a:buSzPts val="1100"/>
+              <a:buFont typeface="Arial"/>
+              <a:buNone/>
+              <a:tabLst/>
+              <a:defRPr/>
+            </a:pPr>
+            <a:endParaRPr lang="en-GB" b="0" dirty="0">
+              <a:solidFill>
+                <a:srgbClr val="D4D4D4"/>
+              </a:solidFill>
+              <a:effectLst/>
+              <a:latin typeface="Consolas" panose="020B0609020204030204" pitchFamily="49" charset="0"/>
+            </a:endParaRPr>
+          </a:p>
+          <a:p>
+            <a:pPr marL="0" marR="0" lvl="0" indent="0" algn="l" defTabSz="914400" rtl="0" eaLnBrk="1" fontAlgn="auto" latinLnBrk="0" hangingPunct="1">
+              <a:lnSpc>
+                <a:spcPct val="100000"/>
+              </a:lnSpc>
+              <a:spcBef>
+                <a:spcPts val="0"/>
+              </a:spcBef>
+              <a:spcAft>
+                <a:spcPts val="0"/>
+              </a:spcAft>
+              <a:buClr>
+                <a:srgbClr val="000000"/>
+              </a:buClr>
+              <a:buSzPts val="1100"/>
+              <a:buFont typeface="Arial"/>
+              <a:buNone/>
+              <a:tabLst/>
+              <a:defRPr/>
+            </a:pPr>
+            <a:r>
+              <a:rPr lang="en-GB" b="0" dirty="0">
+                <a:solidFill>
+                  <a:srgbClr val="D4D4D4"/>
+                </a:solidFill>
+                <a:effectLst/>
+                <a:latin typeface="Consolas" panose="020B0609020204030204" pitchFamily="49" charset="0"/>
+              </a:rPr>
+              <a:t>CLICK</a:t>
+            </a:r>
+          </a:p>
+          <a:p>
+            <a:pPr marL="0" marR="0" lvl="0" indent="0" algn="l" defTabSz="914400" rtl="0" eaLnBrk="1" fontAlgn="auto" latinLnBrk="0" hangingPunct="1">
+              <a:lnSpc>
+                <a:spcPct val="100000"/>
+              </a:lnSpc>
+              <a:spcBef>
+                <a:spcPts val="0"/>
+              </a:spcBef>
+              <a:spcAft>
+                <a:spcPts val="0"/>
+              </a:spcAft>
+              <a:buClr>
+                <a:srgbClr val="000000"/>
+              </a:buClr>
+              <a:buSzPts val="1100"/>
+              <a:buFont typeface="Arial"/>
+              <a:buNone/>
+              <a:tabLst/>
+              <a:defRPr/>
+            </a:pPr>
+            <a:r>
+              <a:rPr lang="en-GB" b="0" dirty="0">
+                <a:solidFill>
+                  <a:srgbClr val="D4D4D4"/>
+                </a:solidFill>
+                <a:effectLst/>
+                <a:latin typeface="Consolas" panose="020B0609020204030204" pitchFamily="49" charset="0"/>
+              </a:rPr>
+              <a:t>Finally, where direct connections are impossible, Octopus supports offline package drops, enabling targets to pull the latest updates on their own schedule, without granting any access to Octopus Deploy.</a:t>
+            </a:r>
+          </a:p>
+          <a:p>
+            <a:pPr marL="0" marR="0" lvl="0" indent="0" algn="l" defTabSz="914400" rtl="0" eaLnBrk="1" fontAlgn="auto" latinLnBrk="0" hangingPunct="1">
+              <a:lnSpc>
+                <a:spcPct val="100000"/>
+              </a:lnSpc>
+              <a:spcBef>
+                <a:spcPts val="0"/>
+              </a:spcBef>
+              <a:spcAft>
+                <a:spcPts val="0"/>
+              </a:spcAft>
+              <a:buClr>
+                <a:srgbClr val="000000"/>
+              </a:buClr>
+              <a:buSzPts val="1100"/>
+              <a:buFont typeface="Arial"/>
+              <a:buNone/>
+              <a:tabLst/>
+              <a:defRPr/>
+            </a:pPr>
+            <a:endParaRPr lang="en-GB" b="0" dirty="0">
+              <a:solidFill>
+                <a:srgbClr val="D4D4D4"/>
+              </a:solidFill>
+              <a:effectLst/>
+              <a:latin typeface="Consolas" panose="020B0609020204030204" pitchFamily="49" charset="0"/>
+            </a:endParaRPr>
+          </a:p>
+          <a:p>
+            <a:pPr marL="0" marR="0" lvl="0" indent="0" algn="l" defTabSz="914400" rtl="0" eaLnBrk="1" fontAlgn="auto" latinLnBrk="0" hangingPunct="1">
+              <a:lnSpc>
+                <a:spcPct val="100000"/>
+              </a:lnSpc>
+              <a:spcBef>
+                <a:spcPts val="0"/>
+              </a:spcBef>
+              <a:spcAft>
+                <a:spcPts val="0"/>
+              </a:spcAft>
+              <a:buClr>
+                <a:srgbClr val="000000"/>
+              </a:buClr>
+              <a:buSzPts val="1100"/>
+              <a:buFont typeface="Arial"/>
+              <a:buNone/>
+              <a:tabLst/>
+              <a:defRPr/>
+            </a:pPr>
+            <a:r>
+              <a:rPr lang="en-GB" b="0" dirty="0">
+                <a:solidFill>
+                  <a:srgbClr val="D4D4D4"/>
+                </a:solidFill>
+                <a:effectLst/>
+                <a:latin typeface="Consolas" panose="020B0609020204030204" pitchFamily="49" charset="0"/>
+              </a:rPr>
+              <a:t>In this case we have six VMs…</a:t>
+            </a:r>
+          </a:p>
+          <a:p>
             <a:pPr marL="0" lvl="0" indent="0" algn="l" rtl="0">
               <a:spcBef>
                 <a:spcPts val="0"/>
@@ -1016,123 +3012,14 @@
               </a:spcAft>
               <a:buNone/>
             </a:pPr>
-            <a:endParaRPr/>
+            <a:endParaRPr dirty="0"/>
           </a:p>
         </p:txBody>
       </p:sp>
     </p:spTree>
     <p:extLst>
       <p:ext uri="{BB962C8B-B14F-4D97-AF65-F5344CB8AC3E}">
-        <p14:creationId xmlns:p14="http://schemas.microsoft.com/office/powerpoint/2010/main" val="1584611878"/>
-      </p:ext>
-    </p:extLst>
-  </p:cSld>
-  <p:clrMapOvr>
-    <a:masterClrMapping/>
-  </p:clrMapOvr>
-</p:notes>
-</file>
-
-<file path=ppt/notesSlides/notesSlide3.xml><?xml version="1.0" encoding="utf-8"?>
-<p:notes xmlns:a="http://schemas.openxmlformats.org/drawingml/2006/main" xmlns:r="http://schemas.openxmlformats.org/officeDocument/2006/relationships" xmlns:p="http://schemas.openxmlformats.org/presentationml/2006/main" showMasterSp="0" showMasterPhAnim="0">
-  <p:cSld>
-    <p:spTree>
-      <p:nvGrpSpPr>
-        <p:cNvPr id="1" name="Shape 59"/>
-        <p:cNvGrpSpPr/>
-        <p:nvPr/>
-      </p:nvGrpSpPr>
-      <p:grpSpPr>
-        <a:xfrm>
-          <a:off x="0" y="0"/>
-          <a:ext cx="0" cy="0"/>
-          <a:chOff x="0" y="0"/>
-          <a:chExt cx="0" cy="0"/>
-        </a:xfrm>
-      </p:grpSpPr>
-      <p:sp>
-        <p:nvSpPr>
-          <p:cNvPr id="60" name="Google Shape;60;g10e8f13418e_0_11:notes"/>
-          <p:cNvSpPr>
-            <a:spLocks noGrp="1" noRot="1" noChangeAspect="1"/>
-          </p:cNvSpPr>
-          <p:nvPr>
-            <p:ph type="sldImg" idx="2"/>
-          </p:nvPr>
-        </p:nvSpPr>
-        <p:spPr>
-          <a:xfrm>
-            <a:off x="381000" y="685800"/>
-            <a:ext cx="6096000" cy="3429000"/>
-          </a:xfrm>
-          <a:custGeom>
-            <a:avLst/>
-            <a:gdLst/>
-            <a:ahLst/>
-            <a:cxnLst/>
-            <a:rect l="l" t="t" r="r" b="b"/>
-            <a:pathLst>
-              <a:path w="120000" h="120000" extrusionOk="0">
-                <a:moveTo>
-                  <a:pt x="0" y="0"/>
-                </a:moveTo>
-                <a:lnTo>
-                  <a:pt x="120000" y="0"/>
-                </a:lnTo>
-                <a:lnTo>
-                  <a:pt x="120000" y="120000"/>
-                </a:lnTo>
-                <a:lnTo>
-                  <a:pt x="0" y="120000"/>
-                </a:lnTo>
-                <a:close/>
-              </a:path>
-            </a:pathLst>
-          </a:custGeom>
-        </p:spPr>
-      </p:sp>
-      <p:sp>
-        <p:nvSpPr>
-          <p:cNvPr id="61" name="Google Shape;61;g10e8f13418e_0_11:notes"/>
-          <p:cNvSpPr txBox="1">
-            <a:spLocks noGrp="1"/>
-          </p:cNvSpPr>
-          <p:nvPr>
-            <p:ph type="body" idx="1"/>
-          </p:nvPr>
-        </p:nvSpPr>
-        <p:spPr>
-          <a:xfrm>
-            <a:off x="685800" y="4343400"/>
-            <a:ext cx="5486400" cy="4114800"/>
-          </a:xfrm>
-          <a:prstGeom prst="rect">
-            <a:avLst/>
-          </a:prstGeom>
-        </p:spPr>
-        <p:txBody>
-          <a:bodyPr spcFirstLastPara="1" wrap="square" lIns="91425" tIns="91425" rIns="91425" bIns="91425" anchor="t" anchorCtr="0">
-            <a:noAutofit/>
-          </a:bodyPr>
-          <a:lstStyle/>
-          <a:p>
-            <a:pPr marL="0" lvl="0" indent="0" algn="l" rtl="0">
-              <a:spcBef>
-                <a:spcPts val="0"/>
-              </a:spcBef>
-              <a:spcAft>
-                <a:spcPts val="0"/>
-              </a:spcAft>
-              <a:buNone/>
-            </a:pPr>
-            <a:endParaRPr/>
-          </a:p>
-        </p:txBody>
-      </p:sp>
-    </p:spTree>
-    <p:extLst>
-      <p:ext uri="{BB962C8B-B14F-4D97-AF65-F5344CB8AC3E}">
-        <p14:creationId xmlns:p14="http://schemas.microsoft.com/office/powerpoint/2010/main" val="3235631510"/>
+        <p14:creationId xmlns:p14="http://schemas.microsoft.com/office/powerpoint/2010/main" val="2514982536"/>
       </p:ext>
     </p:extLst>
   </p:cSld>
@@ -1225,6 +3112,155 @@
           </a:bodyPr>
           <a:lstStyle/>
           <a:p>
+            <a:pPr marL="0" marR="0" lvl="0" indent="0" algn="l" defTabSz="914400" rtl="0" eaLnBrk="1" fontAlgn="auto" latinLnBrk="0" hangingPunct="1">
+              <a:lnSpc>
+                <a:spcPct val="100000"/>
+              </a:lnSpc>
+              <a:spcBef>
+                <a:spcPts val="0"/>
+              </a:spcBef>
+              <a:spcAft>
+                <a:spcPts val="0"/>
+              </a:spcAft>
+              <a:buClr>
+                <a:srgbClr val="000000"/>
+              </a:buClr>
+              <a:buSzPts val="1100"/>
+              <a:buFont typeface="Arial"/>
+              <a:buNone/>
+              <a:tabLst/>
+              <a:defRPr/>
+            </a:pPr>
+            <a:r>
+              <a:rPr lang="en-GB" b="0" dirty="0">
+                <a:solidFill>
+                  <a:srgbClr val="D4D4D4"/>
+                </a:solidFill>
+                <a:effectLst/>
+                <a:latin typeface="Consolas" panose="020B0609020204030204" pitchFamily="49" charset="0"/>
+              </a:rPr>
+              <a:t>In this case we have six VMs…</a:t>
+            </a:r>
+          </a:p>
+          <a:p>
+            <a:pPr marL="0" marR="0" lvl="0" indent="0" algn="l" defTabSz="914400" rtl="0" eaLnBrk="1" fontAlgn="auto" latinLnBrk="0" hangingPunct="1">
+              <a:lnSpc>
+                <a:spcPct val="100000"/>
+              </a:lnSpc>
+              <a:spcBef>
+                <a:spcPts val="0"/>
+              </a:spcBef>
+              <a:spcAft>
+                <a:spcPts val="0"/>
+              </a:spcAft>
+              <a:buClr>
+                <a:srgbClr val="000000"/>
+              </a:buClr>
+              <a:buSzPts val="1100"/>
+              <a:buFont typeface="Arial"/>
+              <a:buNone/>
+              <a:tabLst/>
+              <a:defRPr/>
+            </a:pPr>
+            <a:endParaRPr lang="en-GB" b="0" dirty="0">
+              <a:solidFill>
+                <a:srgbClr val="D4D4D4"/>
+              </a:solidFill>
+              <a:effectLst/>
+              <a:latin typeface="Consolas" panose="020B0609020204030204" pitchFamily="49" charset="0"/>
+            </a:endParaRPr>
+          </a:p>
+          <a:p>
+            <a:pPr marL="0" marR="0" lvl="0" indent="0" algn="l" defTabSz="914400" rtl="0" eaLnBrk="1" fontAlgn="auto" latinLnBrk="0" hangingPunct="1">
+              <a:lnSpc>
+                <a:spcPct val="100000"/>
+              </a:lnSpc>
+              <a:spcBef>
+                <a:spcPts val="0"/>
+              </a:spcBef>
+              <a:spcAft>
+                <a:spcPts val="0"/>
+              </a:spcAft>
+              <a:buClr>
+                <a:srgbClr val="000000"/>
+              </a:buClr>
+              <a:buSzPts val="1100"/>
+              <a:buFont typeface="Arial"/>
+              <a:buNone/>
+              <a:tabLst/>
+              <a:defRPr/>
+            </a:pPr>
+            <a:r>
+              <a:rPr lang="en-GB" b="0" dirty="0">
+                <a:solidFill>
+                  <a:srgbClr val="D4D4D4"/>
+                </a:solidFill>
+                <a:effectLst/>
+                <a:latin typeface="Consolas" panose="020B0609020204030204" pitchFamily="49" charset="0"/>
+              </a:rPr>
+              <a:t>…running in Amazon EC2.</a:t>
+            </a:r>
+          </a:p>
+          <a:p>
+            <a:pPr marL="0" marR="0" lvl="0" indent="0" algn="l" defTabSz="914400" rtl="0" eaLnBrk="1" fontAlgn="auto" latinLnBrk="0" hangingPunct="1">
+              <a:lnSpc>
+                <a:spcPct val="100000"/>
+              </a:lnSpc>
+              <a:spcBef>
+                <a:spcPts val="0"/>
+              </a:spcBef>
+              <a:spcAft>
+                <a:spcPts val="0"/>
+              </a:spcAft>
+              <a:buClr>
+                <a:srgbClr val="000000"/>
+              </a:buClr>
+              <a:buSzPts val="1100"/>
+              <a:buFont typeface="Arial"/>
+              <a:buNone/>
+              <a:tabLst/>
+              <a:defRPr/>
+            </a:pPr>
+            <a:endParaRPr lang="en-GB" b="0" dirty="0">
+              <a:solidFill>
+                <a:srgbClr val="D4D4D4"/>
+              </a:solidFill>
+              <a:effectLst/>
+              <a:latin typeface="Consolas" panose="020B0609020204030204" pitchFamily="49" charset="0"/>
+            </a:endParaRPr>
+          </a:p>
+          <a:p>
+            <a:pPr marL="0" marR="0" lvl="0" indent="0" algn="l" defTabSz="914400" rtl="0" eaLnBrk="1" fontAlgn="auto" latinLnBrk="0" hangingPunct="1">
+              <a:lnSpc>
+                <a:spcPct val="100000"/>
+              </a:lnSpc>
+              <a:spcBef>
+                <a:spcPts val="0"/>
+              </a:spcBef>
+              <a:spcAft>
+                <a:spcPts val="0"/>
+              </a:spcAft>
+              <a:buClr>
+                <a:srgbClr val="000000"/>
+              </a:buClr>
+              <a:buSzPts val="1100"/>
+              <a:buFont typeface="Arial"/>
+              <a:buNone/>
+              <a:tabLst/>
+              <a:defRPr/>
+            </a:pPr>
+            <a:r>
+              <a:rPr lang="en-GB" b="0" dirty="0">
+                <a:solidFill>
+                  <a:srgbClr val="D4D4D4"/>
+                </a:solidFill>
+                <a:effectLst/>
+                <a:latin typeface="Consolas" panose="020B0609020204030204" pitchFamily="49" charset="0"/>
+              </a:rPr>
+              <a:t>We are using Windows instances to host our dotnet core web apps and Linux instances to host SQL Server and our load balancer. Typically, for simplicity, in Octopus we'll name our Targets after their respective machine names.</a:t>
+            </a:r>
+          </a:p>
+          <a:p>
             <a:pPr marL="0" lvl="0" indent="0" algn="l" rtl="0">
               <a:spcBef>
                 <a:spcPts val="0"/>
@@ -1234,14 +3270,14 @@
               </a:spcAft>
               <a:buNone/>
             </a:pPr>
-            <a:endParaRPr/>
+            <a:endParaRPr dirty="0"/>
           </a:p>
         </p:txBody>
       </p:sp>
     </p:spTree>
     <p:extLst>
       <p:ext uri="{BB962C8B-B14F-4D97-AF65-F5344CB8AC3E}">
-        <p14:creationId xmlns:p14="http://schemas.microsoft.com/office/powerpoint/2010/main" val="2249245895"/>
+        <p14:creationId xmlns:p14="http://schemas.microsoft.com/office/powerpoint/2010/main" val="3235631510"/>
       </p:ext>
     </p:extLst>
   </p:cSld>
@@ -1334,6 +3370,37 @@
           </a:bodyPr>
           <a:lstStyle/>
           <a:p>
+            <a:pPr marL="0" marR="0" lvl="0" indent="0" algn="l" defTabSz="914400" rtl="0" eaLnBrk="1" fontAlgn="auto" latinLnBrk="0" hangingPunct="1">
+              <a:lnSpc>
+                <a:spcPct val="100000"/>
+              </a:lnSpc>
+              <a:spcBef>
+                <a:spcPts val="0"/>
+              </a:spcBef>
+              <a:spcAft>
+                <a:spcPts val="0"/>
+              </a:spcAft>
+              <a:buClr>
+                <a:srgbClr val="000000"/>
+              </a:buClr>
+              <a:buSzPts val="1100"/>
+              <a:buFont typeface="Arial"/>
+              <a:buNone/>
+              <a:tabLst/>
+              <a:defRPr/>
+            </a:pPr>
+            <a:r>
+              <a:rPr lang="en-GB" b="0" dirty="0">
+                <a:solidFill>
+                  <a:srgbClr val="D4D4D4"/>
+                </a:solidFill>
+                <a:effectLst/>
+                <a:latin typeface="Consolas" panose="020B0609020204030204" pitchFamily="49" charset="0"/>
+              </a:rPr>
+              <a:t>As discussed in the previous class, targets are organised into one or more Environments, such as "Development" or "Production". </a:t>
+            </a:r>
+          </a:p>
+          <a:p>
             <a:pPr marL="0" lvl="0" indent="0" algn="l" rtl="0">
               <a:spcBef>
                 <a:spcPts val="0"/>
@@ -1343,14 +3410,14 @@
               </a:spcAft>
               <a:buNone/>
             </a:pPr>
-            <a:endParaRPr/>
+            <a:endParaRPr dirty="0"/>
           </a:p>
         </p:txBody>
       </p:sp>
     </p:spTree>
     <p:extLst>
       <p:ext uri="{BB962C8B-B14F-4D97-AF65-F5344CB8AC3E}">
-        <p14:creationId xmlns:p14="http://schemas.microsoft.com/office/powerpoint/2010/main" val="2740303190"/>
+        <p14:creationId xmlns:p14="http://schemas.microsoft.com/office/powerpoint/2010/main" val="2249245895"/>
       </p:ext>
     </p:extLst>
   </p:cSld>
@@ -1443,6 +3510,155 @@
           </a:bodyPr>
           <a:lstStyle/>
           <a:p>
+            <a:pPr marL="0" marR="0" lvl="0" indent="0" algn="l" defTabSz="914400" rtl="0" eaLnBrk="1" fontAlgn="auto" latinLnBrk="0" hangingPunct="1">
+              <a:lnSpc>
+                <a:spcPct val="100000"/>
+              </a:lnSpc>
+              <a:spcBef>
+                <a:spcPts val="0"/>
+              </a:spcBef>
+              <a:spcAft>
+                <a:spcPts val="0"/>
+              </a:spcAft>
+              <a:buClr>
+                <a:srgbClr val="000000"/>
+              </a:buClr>
+              <a:buSzPts val="1100"/>
+              <a:buFont typeface="Arial"/>
+              <a:buNone/>
+              <a:tabLst/>
+              <a:defRPr/>
+            </a:pPr>
+            <a:r>
+              <a:rPr lang="en-GB" b="0" dirty="0">
+                <a:solidFill>
+                  <a:srgbClr val="D4D4D4"/>
+                </a:solidFill>
+                <a:effectLst/>
+                <a:latin typeface="Consolas" panose="020B0609020204030204" pitchFamily="49" charset="0"/>
+              </a:rPr>
+              <a:t>We use Machine Roles to define what each Target within an Environment is responsible for.</a:t>
+            </a:r>
+          </a:p>
+          <a:p>
+            <a:pPr marL="0" marR="0" lvl="0" indent="0" algn="l" defTabSz="914400" rtl="0" eaLnBrk="1" fontAlgn="auto" latinLnBrk="0" hangingPunct="1">
+              <a:lnSpc>
+                <a:spcPct val="100000"/>
+              </a:lnSpc>
+              <a:spcBef>
+                <a:spcPts val="0"/>
+              </a:spcBef>
+              <a:spcAft>
+                <a:spcPts val="0"/>
+              </a:spcAft>
+              <a:buClr>
+                <a:srgbClr val="000000"/>
+              </a:buClr>
+              <a:buSzPts val="1100"/>
+              <a:buFont typeface="Arial"/>
+              <a:buNone/>
+              <a:tabLst/>
+              <a:defRPr/>
+            </a:pPr>
+            <a:endParaRPr lang="en-GB" b="0" dirty="0">
+              <a:solidFill>
+                <a:srgbClr val="D4D4D4"/>
+              </a:solidFill>
+              <a:effectLst/>
+              <a:latin typeface="Consolas" panose="020B0609020204030204" pitchFamily="49" charset="0"/>
+            </a:endParaRPr>
+          </a:p>
+          <a:p>
+            <a:pPr marL="0" marR="0" lvl="0" indent="0" algn="l" defTabSz="914400" rtl="0" eaLnBrk="1" fontAlgn="auto" latinLnBrk="0" hangingPunct="1">
+              <a:lnSpc>
+                <a:spcPct val="100000"/>
+              </a:lnSpc>
+              <a:spcBef>
+                <a:spcPts val="0"/>
+              </a:spcBef>
+              <a:spcAft>
+                <a:spcPts val="0"/>
+              </a:spcAft>
+              <a:buClr>
+                <a:srgbClr val="000000"/>
+              </a:buClr>
+              <a:buSzPts val="1100"/>
+              <a:buFont typeface="Arial"/>
+              <a:buNone/>
+              <a:tabLst/>
+              <a:defRPr/>
+            </a:pPr>
+            <a:r>
+              <a:rPr lang="en-GB" b="0" dirty="0">
+                <a:solidFill>
+                  <a:srgbClr val="D4D4D4"/>
+                </a:solidFill>
+                <a:effectLst/>
+                <a:latin typeface="Consolas" panose="020B0609020204030204" pitchFamily="49" charset="0"/>
+              </a:rPr>
+              <a:t>For example, in this case we have a SQL Server instance in each of our Dev and Test environments. We also have a few web servers, with the production web servers sitting behind a load balancer.</a:t>
+            </a:r>
+          </a:p>
+          <a:p>
+            <a:pPr marL="0" marR="0" lvl="0" indent="0" algn="l" defTabSz="914400" rtl="0" eaLnBrk="1" fontAlgn="auto" latinLnBrk="0" hangingPunct="1">
+              <a:lnSpc>
+                <a:spcPct val="100000"/>
+              </a:lnSpc>
+              <a:spcBef>
+                <a:spcPts val="0"/>
+              </a:spcBef>
+              <a:spcAft>
+                <a:spcPts val="0"/>
+              </a:spcAft>
+              <a:buClr>
+                <a:srgbClr val="000000"/>
+              </a:buClr>
+              <a:buSzPts val="1100"/>
+              <a:buFont typeface="Arial"/>
+              <a:buNone/>
+              <a:tabLst/>
+              <a:defRPr/>
+            </a:pPr>
+            <a:endParaRPr lang="en-GB" b="0" dirty="0">
+              <a:solidFill>
+                <a:srgbClr val="D4D4D4"/>
+              </a:solidFill>
+              <a:effectLst/>
+              <a:latin typeface="Consolas" panose="020B0609020204030204" pitchFamily="49" charset="0"/>
+            </a:endParaRPr>
+          </a:p>
+          <a:p>
+            <a:pPr marL="0" marR="0" lvl="0" indent="0" algn="l" defTabSz="914400" rtl="0" eaLnBrk="1" fontAlgn="auto" latinLnBrk="0" hangingPunct="1">
+              <a:lnSpc>
+                <a:spcPct val="100000"/>
+              </a:lnSpc>
+              <a:spcBef>
+                <a:spcPts val="0"/>
+              </a:spcBef>
+              <a:spcAft>
+                <a:spcPts val="0"/>
+              </a:spcAft>
+              <a:buClr>
+                <a:srgbClr val="000000"/>
+              </a:buClr>
+              <a:buSzPts val="1100"/>
+              <a:buFont typeface="Arial"/>
+              <a:buNone/>
+              <a:tabLst/>
+              <a:defRPr/>
+            </a:pPr>
+            <a:r>
+              <a:rPr lang="en-GB" b="0" dirty="0">
+                <a:solidFill>
+                  <a:srgbClr val="D4D4D4"/>
+                </a:solidFill>
+                <a:effectLst/>
+                <a:latin typeface="Consolas" panose="020B0609020204030204" pitchFamily="49" charset="0"/>
+              </a:rPr>
+              <a:t>We've assigned the various servers the appropriate Machine Roles so that Octopus knows which parts of the deployment need to be executed against each Target Machine, within each environment.</a:t>
+            </a:r>
+          </a:p>
+          <a:p>
             <a:pPr marL="0" lvl="0" indent="0" algn="l" rtl="0">
               <a:spcBef>
                 <a:spcPts val="0"/>
@@ -1452,14 +3668,14 @@
               </a:spcAft>
               <a:buNone/>
             </a:pPr>
-            <a:endParaRPr/>
+            <a:endParaRPr dirty="0"/>
           </a:p>
         </p:txBody>
       </p:sp>
     </p:spTree>
     <p:extLst>
       <p:ext uri="{BB962C8B-B14F-4D97-AF65-F5344CB8AC3E}">
-        <p14:creationId xmlns:p14="http://schemas.microsoft.com/office/powerpoint/2010/main" val="173717670"/>
+        <p14:creationId xmlns:p14="http://schemas.microsoft.com/office/powerpoint/2010/main" val="2740303190"/>
       </p:ext>
     </p:extLst>
   </p:cSld>
@@ -1552,6 +3768,65 @@
           </a:bodyPr>
           <a:lstStyle/>
           <a:p>
+            <a:pPr marL="0" marR="0" lvl="0" indent="0" algn="l" defTabSz="914400" rtl="0" eaLnBrk="1" fontAlgn="auto" latinLnBrk="0" hangingPunct="1">
+              <a:lnSpc>
+                <a:spcPct val="100000"/>
+              </a:lnSpc>
+              <a:spcBef>
+                <a:spcPts val="0"/>
+              </a:spcBef>
+              <a:spcAft>
+                <a:spcPts val="0"/>
+              </a:spcAft>
+              <a:buClr>
+                <a:srgbClr val="000000"/>
+              </a:buClr>
+              <a:buSzPts val="1100"/>
+              <a:buFont typeface="Arial"/>
+              <a:buNone/>
+              <a:tabLst/>
+              <a:defRPr/>
+            </a:pPr>
+            <a:r>
+              <a:rPr lang="en-GB" b="0" dirty="0">
+                <a:solidFill>
+                  <a:srgbClr val="D4D4D4"/>
+                </a:solidFill>
+                <a:effectLst/>
+                <a:latin typeface="Consolas" panose="020B0609020204030204" pitchFamily="49" charset="0"/>
+              </a:rPr>
+              <a:t>For example, in this scenario, if we were to deploy our website to the production Environment…</a:t>
+            </a:r>
+          </a:p>
+          <a:p>
+            <a:pPr marL="0" marR="0" lvl="0" indent="0" algn="l" defTabSz="914400" rtl="0" eaLnBrk="1" fontAlgn="auto" latinLnBrk="0" hangingPunct="1">
+              <a:lnSpc>
+                <a:spcPct val="100000"/>
+              </a:lnSpc>
+              <a:spcBef>
+                <a:spcPts val="0"/>
+              </a:spcBef>
+              <a:spcAft>
+                <a:spcPts val="0"/>
+              </a:spcAft>
+              <a:buClr>
+                <a:srgbClr val="000000"/>
+              </a:buClr>
+              <a:buSzPts val="1100"/>
+              <a:buFont typeface="Arial"/>
+              <a:buNone/>
+              <a:tabLst/>
+              <a:defRPr/>
+            </a:pPr>
+            <a:endParaRPr lang="en-GB" b="0" dirty="0">
+              <a:solidFill>
+                <a:srgbClr val="D4D4D4"/>
+              </a:solidFill>
+              <a:effectLst/>
+              <a:latin typeface="Consolas" panose="020B0609020204030204" pitchFamily="49" charset="0"/>
+            </a:endParaRPr>
+          </a:p>
+          <a:p>
             <a:pPr marL="0" lvl="0" indent="0" algn="l" rtl="0">
               <a:spcBef>
                 <a:spcPts val="0"/>
@@ -1561,14 +3836,14 @@
               </a:spcAft>
               <a:buNone/>
             </a:pPr>
-            <a:endParaRPr/>
+            <a:endParaRPr dirty="0"/>
           </a:p>
         </p:txBody>
       </p:sp>
     </p:spTree>
     <p:extLst>
       <p:ext uri="{BB962C8B-B14F-4D97-AF65-F5344CB8AC3E}">
-        <p14:creationId xmlns:p14="http://schemas.microsoft.com/office/powerpoint/2010/main" val="1222898710"/>
+        <p14:creationId xmlns:p14="http://schemas.microsoft.com/office/powerpoint/2010/main" val="173717670"/>
       </p:ext>
     </p:extLst>
   </p:cSld>
@@ -1661,6 +3936,96 @@
           </a:bodyPr>
           <a:lstStyle/>
           <a:p>
+            <a:pPr marL="0" marR="0" lvl="0" indent="0" algn="l" defTabSz="914400" rtl="0" eaLnBrk="1" fontAlgn="auto" latinLnBrk="0" hangingPunct="1">
+              <a:lnSpc>
+                <a:spcPct val="100000"/>
+              </a:lnSpc>
+              <a:spcBef>
+                <a:spcPts val="0"/>
+              </a:spcBef>
+              <a:spcAft>
+                <a:spcPts val="0"/>
+              </a:spcAft>
+              <a:buClr>
+                <a:srgbClr val="000000"/>
+              </a:buClr>
+              <a:buSzPts val="1100"/>
+              <a:buFont typeface="Arial"/>
+              <a:buNone/>
+              <a:tabLst/>
+              <a:defRPr/>
+            </a:pPr>
+            <a:r>
+              <a:rPr lang="en-GB" b="0" dirty="0">
+                <a:solidFill>
+                  <a:srgbClr val="D4D4D4"/>
+                </a:solidFill>
+                <a:effectLst/>
+                <a:latin typeface="Consolas" panose="020B0609020204030204" pitchFamily="49" charset="0"/>
+              </a:rPr>
+              <a:t>For example, in this scenario, if we were to deploy our website to the production Environment…</a:t>
+            </a:r>
+          </a:p>
+          <a:p>
+            <a:pPr marL="0" marR="0" lvl="0" indent="0" algn="l" defTabSz="914400" rtl="0" eaLnBrk="1" fontAlgn="auto" latinLnBrk="0" hangingPunct="1">
+              <a:lnSpc>
+                <a:spcPct val="100000"/>
+              </a:lnSpc>
+              <a:spcBef>
+                <a:spcPts val="0"/>
+              </a:spcBef>
+              <a:spcAft>
+                <a:spcPts val="0"/>
+              </a:spcAft>
+              <a:buClr>
+                <a:srgbClr val="000000"/>
+              </a:buClr>
+              <a:buSzPts val="1100"/>
+              <a:buFont typeface="Arial"/>
+              <a:buNone/>
+              <a:tabLst/>
+              <a:defRPr/>
+            </a:pPr>
+            <a:endParaRPr lang="en-GB" b="0" dirty="0">
+              <a:solidFill>
+                <a:srgbClr val="D4D4D4"/>
+              </a:solidFill>
+              <a:effectLst/>
+              <a:latin typeface="Consolas" panose="020B0609020204030204" pitchFamily="49" charset="0"/>
+            </a:endParaRPr>
+          </a:p>
+          <a:p>
+            <a:pPr marL="0" marR="0" lvl="0" indent="0" algn="l" defTabSz="914400" rtl="0" eaLnBrk="1" fontAlgn="auto" latinLnBrk="0" hangingPunct="1">
+              <a:lnSpc>
+                <a:spcPct val="100000"/>
+              </a:lnSpc>
+              <a:spcBef>
+                <a:spcPts val="0"/>
+              </a:spcBef>
+              <a:spcAft>
+                <a:spcPts val="0"/>
+              </a:spcAft>
+              <a:buClr>
+                <a:srgbClr val="000000"/>
+              </a:buClr>
+              <a:buSzPts val="1100"/>
+              <a:buFont typeface="Arial"/>
+              <a:buNone/>
+              <a:tabLst/>
+              <a:defRPr/>
+            </a:pPr>
+            <a:r>
+              <a:rPr lang="en-GB" b="0" dirty="0">
+                <a:solidFill>
+                  <a:srgbClr val="D4D4D4"/>
+                </a:solidFill>
+                <a:effectLst/>
+                <a:latin typeface="Consolas" panose="020B0609020204030204" pitchFamily="49" charset="0"/>
+              </a:rPr>
+              <a:t>…Octopus would know that the website would need to be deployed to Targets Web02 and Web03, and any database updates would need to be executed on DB02.</a:t>
+            </a:r>
+          </a:p>
+          <a:p>
             <a:pPr marL="0" lvl="0" indent="0" algn="l" rtl="0">
               <a:spcBef>
                 <a:spcPts val="0"/>
@@ -1670,14 +4035,57 @@
               </a:spcAft>
               <a:buNone/>
             </a:pPr>
-            <a:endParaRPr/>
+            <a:endParaRPr lang="en-GB" dirty="0"/>
+          </a:p>
+          <a:p>
+            <a:pPr marL="0" marR="0" lvl="0" indent="0" algn="l" defTabSz="914400" rtl="0" eaLnBrk="1" fontAlgn="auto" latinLnBrk="0" hangingPunct="1">
+              <a:lnSpc>
+                <a:spcPct val="100000"/>
+              </a:lnSpc>
+              <a:spcBef>
+                <a:spcPts val="0"/>
+              </a:spcBef>
+              <a:spcAft>
+                <a:spcPts val="0"/>
+              </a:spcAft>
+              <a:buClr>
+                <a:srgbClr val="000000"/>
+              </a:buClr>
+              <a:buSzPts val="1100"/>
+              <a:buFont typeface="Arial"/>
+              <a:buNone/>
+              <a:tabLst/>
+              <a:defRPr/>
+            </a:pPr>
+            <a:r>
+              <a:rPr lang="en-GB" b="0" dirty="0">
+                <a:solidFill>
+                  <a:srgbClr val="D4D4D4"/>
+                </a:solidFill>
+                <a:effectLst/>
+                <a:latin typeface="Consolas" panose="020B0609020204030204" pitchFamily="49" charset="0"/>
+              </a:rPr>
+              <a:t>Now let's consider a little more complexity… </a:t>
+            </a:r>
+          </a:p>
+          <a:p>
+            <a:pPr marL="0" lvl="0" indent="0" algn="l" rtl="0">
+              <a:spcBef>
+                <a:spcPts val="0"/>
+              </a:spcBef>
+              <a:spcAft>
+                <a:spcPts val="0"/>
+              </a:spcAft>
+              <a:buNone/>
+            </a:pPr>
+            <a:endParaRPr dirty="0"/>
           </a:p>
         </p:txBody>
       </p:sp>
     </p:spTree>
     <p:extLst>
       <p:ext uri="{BB962C8B-B14F-4D97-AF65-F5344CB8AC3E}">
-        <p14:creationId xmlns:p14="http://schemas.microsoft.com/office/powerpoint/2010/main" val="3590385417"/>
+        <p14:creationId xmlns:p14="http://schemas.microsoft.com/office/powerpoint/2010/main" val="1222898710"/>
       </p:ext>
     </p:extLst>
   </p:cSld>
@@ -1770,6 +4178,265 @@
           </a:bodyPr>
           <a:lstStyle/>
           <a:p>
+            <a:pPr marL="0" marR="0" lvl="0" indent="0" algn="l" defTabSz="914400" rtl="0" eaLnBrk="1" fontAlgn="auto" latinLnBrk="0" hangingPunct="1">
+              <a:lnSpc>
+                <a:spcPct val="100000"/>
+              </a:lnSpc>
+              <a:spcBef>
+                <a:spcPts val="0"/>
+              </a:spcBef>
+              <a:spcAft>
+                <a:spcPts val="0"/>
+              </a:spcAft>
+              <a:buClr>
+                <a:srgbClr val="000000"/>
+              </a:buClr>
+              <a:buSzPts val="1100"/>
+              <a:buFont typeface="Arial"/>
+              <a:buNone/>
+              <a:tabLst/>
+              <a:defRPr/>
+            </a:pPr>
+            <a:r>
+              <a:rPr lang="en-GB" b="0" dirty="0">
+                <a:solidFill>
+                  <a:srgbClr val="D4D4D4"/>
+                </a:solidFill>
+                <a:effectLst/>
+                <a:latin typeface="Consolas" panose="020B0609020204030204" pitchFamily="49" charset="0"/>
+              </a:rPr>
+              <a:t>Now let's consider a little more complexity… </a:t>
+            </a:r>
+          </a:p>
+          <a:p>
+            <a:pPr marL="0" marR="0" lvl="0" indent="0" algn="l" defTabSz="914400" rtl="0" eaLnBrk="1" fontAlgn="auto" latinLnBrk="0" hangingPunct="1">
+              <a:lnSpc>
+                <a:spcPct val="100000"/>
+              </a:lnSpc>
+              <a:spcBef>
+                <a:spcPts val="0"/>
+              </a:spcBef>
+              <a:spcAft>
+                <a:spcPts val="0"/>
+              </a:spcAft>
+              <a:buClr>
+                <a:srgbClr val="000000"/>
+              </a:buClr>
+              <a:buSzPts val="1100"/>
+              <a:buFont typeface="Arial"/>
+              <a:buNone/>
+              <a:tabLst/>
+              <a:defRPr/>
+            </a:pPr>
+            <a:endParaRPr lang="en-GB" b="0" dirty="0">
+              <a:solidFill>
+                <a:srgbClr val="D4D4D4"/>
+              </a:solidFill>
+              <a:effectLst/>
+              <a:latin typeface="Consolas" panose="020B0609020204030204" pitchFamily="49" charset="0"/>
+            </a:endParaRPr>
+          </a:p>
+          <a:p>
+            <a:pPr marL="0" marR="0" lvl="0" indent="0" algn="l" defTabSz="914400" rtl="0" eaLnBrk="1" fontAlgn="auto" latinLnBrk="0" hangingPunct="1">
+              <a:lnSpc>
+                <a:spcPct val="100000"/>
+              </a:lnSpc>
+              <a:spcBef>
+                <a:spcPts val="0"/>
+              </a:spcBef>
+              <a:spcAft>
+                <a:spcPts val="0"/>
+              </a:spcAft>
+              <a:buClr>
+                <a:srgbClr val="000000"/>
+              </a:buClr>
+              <a:buSzPts val="1100"/>
+              <a:buFont typeface="Arial"/>
+              <a:buNone/>
+              <a:tabLst/>
+              <a:defRPr/>
+            </a:pPr>
+            <a:r>
+              <a:rPr lang="en-GB" b="0" dirty="0">
+                <a:solidFill>
+                  <a:srgbClr val="D4D4D4"/>
+                </a:solidFill>
+                <a:effectLst/>
+                <a:latin typeface="Consolas" panose="020B0609020204030204" pitchFamily="49" charset="0"/>
+              </a:rPr>
+              <a:t>… Imagine we wanted to use Octopus to manage the deployments for both our website and our documentation pages.</a:t>
+            </a:r>
+          </a:p>
+          <a:p>
+            <a:pPr marL="0" marR="0" lvl="0" indent="0" algn="l" defTabSz="914400" rtl="0" eaLnBrk="1" fontAlgn="auto" latinLnBrk="0" hangingPunct="1">
+              <a:lnSpc>
+                <a:spcPct val="100000"/>
+              </a:lnSpc>
+              <a:spcBef>
+                <a:spcPts val="0"/>
+              </a:spcBef>
+              <a:spcAft>
+                <a:spcPts val="0"/>
+              </a:spcAft>
+              <a:buClr>
+                <a:srgbClr val="000000"/>
+              </a:buClr>
+              <a:buSzPts val="1100"/>
+              <a:buFont typeface="Arial"/>
+              <a:buNone/>
+              <a:tabLst/>
+              <a:defRPr/>
+            </a:pPr>
+            <a:endParaRPr lang="en-GB" b="0" dirty="0">
+              <a:solidFill>
+                <a:srgbClr val="D4D4D4"/>
+              </a:solidFill>
+              <a:effectLst/>
+              <a:latin typeface="Consolas" panose="020B0609020204030204" pitchFamily="49" charset="0"/>
+            </a:endParaRPr>
+          </a:p>
+          <a:p>
+            <a:pPr marL="0" marR="0" lvl="0" indent="0" algn="l" defTabSz="914400" rtl="0" eaLnBrk="1" fontAlgn="auto" latinLnBrk="0" hangingPunct="1">
+              <a:lnSpc>
+                <a:spcPct val="100000"/>
+              </a:lnSpc>
+              <a:spcBef>
+                <a:spcPts val="0"/>
+              </a:spcBef>
+              <a:spcAft>
+                <a:spcPts val="0"/>
+              </a:spcAft>
+              <a:buClr>
+                <a:srgbClr val="000000"/>
+              </a:buClr>
+              <a:buSzPts val="1100"/>
+              <a:buFont typeface="Arial"/>
+              <a:buNone/>
+              <a:tabLst/>
+              <a:defRPr/>
+            </a:pPr>
+            <a:r>
+              <a:rPr lang="en-GB" b="0" dirty="0">
+                <a:solidFill>
+                  <a:srgbClr val="D4D4D4"/>
+                </a:solidFill>
+                <a:effectLst/>
+                <a:latin typeface="Consolas" panose="020B0609020204030204" pitchFamily="49" charset="0"/>
+              </a:rPr>
+              <a:t>These are managed as independent projects and need to be deployed to different target machines. </a:t>
+            </a:r>
+          </a:p>
+          <a:p>
+            <a:pPr marL="158750" indent="0">
+              <a:buNone/>
+            </a:pPr>
+            <a:endParaRPr lang="en-GB" b="0" dirty="0">
+              <a:solidFill>
+                <a:srgbClr val="D4D4D4"/>
+              </a:solidFill>
+              <a:effectLst/>
+              <a:latin typeface="Consolas" panose="020B0609020204030204" pitchFamily="49" charset="0"/>
+            </a:endParaRPr>
+          </a:p>
+          <a:p>
+            <a:pPr marL="158750" indent="0">
+              <a:buNone/>
+            </a:pPr>
+            <a:r>
+              <a:rPr lang="en-GB" b="0" dirty="0">
+                <a:solidFill>
+                  <a:srgbClr val="D4D4D4"/>
+                </a:solidFill>
+                <a:effectLst/>
+                <a:latin typeface="Consolas" panose="020B0609020204030204" pitchFamily="49" charset="0"/>
+              </a:rPr>
+              <a:t>This example demonstrates the value of defining a standard naming convention for Machine Roles that incorporates both the Project Name, as well as the type of server. For example, website-webserver or docs-database. Note that Deployment Targets can have multiple Machine Roles.</a:t>
+            </a:r>
+          </a:p>
+          <a:p>
+            <a:pPr marL="158750" indent="0">
+              <a:buNone/>
+            </a:pPr>
+            <a:endParaRPr lang="en-GB" b="0" dirty="0">
+              <a:solidFill>
+                <a:srgbClr val="D4D4D4"/>
+              </a:solidFill>
+              <a:effectLst/>
+              <a:latin typeface="Consolas" panose="020B0609020204030204" pitchFamily="49" charset="0"/>
+            </a:endParaRPr>
+          </a:p>
+          <a:p>
+            <a:pPr marL="158750" marR="0" lvl="0" indent="0" algn="l" defTabSz="914400" rtl="0" eaLnBrk="1" fontAlgn="auto" latinLnBrk="0" hangingPunct="1">
+              <a:lnSpc>
+                <a:spcPct val="100000"/>
+              </a:lnSpc>
+              <a:spcBef>
+                <a:spcPts val="0"/>
+              </a:spcBef>
+              <a:spcAft>
+                <a:spcPts val="0"/>
+              </a:spcAft>
+              <a:buClr>
+                <a:srgbClr val="000000"/>
+              </a:buClr>
+              <a:buSzPts val="1100"/>
+              <a:buFont typeface="Arial"/>
+              <a:buNone/>
+              <a:tabLst/>
+              <a:defRPr/>
+            </a:pPr>
+            <a:r>
+              <a:rPr lang="en-GB" b="0" dirty="0">
+                <a:solidFill>
+                  <a:srgbClr val="D4D4D4"/>
+                </a:solidFill>
+                <a:effectLst/>
+                <a:latin typeface="Consolas" panose="020B0609020204030204" pitchFamily="49" charset="0"/>
+              </a:rPr>
+              <a:t>Furthermore, Octopus Deploy isn't only a deployment tool…</a:t>
+            </a:r>
+          </a:p>
+          <a:p>
+            <a:pPr marL="158750" indent="0">
+              <a:buNone/>
+            </a:pPr>
+            <a:endParaRPr lang="en-GB" b="0" dirty="0">
+              <a:solidFill>
+                <a:srgbClr val="D4D4D4"/>
+              </a:solidFill>
+              <a:effectLst/>
+              <a:latin typeface="Consolas" panose="020B0609020204030204" pitchFamily="49" charset="0"/>
+            </a:endParaRPr>
+          </a:p>
+          <a:p>
+            <a:pPr marL="0" marR="0" lvl="0" indent="0" algn="l" defTabSz="914400" rtl="0" eaLnBrk="1" fontAlgn="auto" latinLnBrk="0" hangingPunct="1">
+              <a:lnSpc>
+                <a:spcPct val="100000"/>
+              </a:lnSpc>
+              <a:spcBef>
+                <a:spcPts val="0"/>
+              </a:spcBef>
+              <a:spcAft>
+                <a:spcPts val="0"/>
+              </a:spcAft>
+              <a:buClr>
+                <a:srgbClr val="000000"/>
+              </a:buClr>
+              <a:buSzPts val="1100"/>
+              <a:buFont typeface="Arial"/>
+              <a:buNone/>
+              <a:tabLst/>
+              <a:defRPr/>
+            </a:pPr>
+            <a:endParaRPr lang="en-GB" b="0" dirty="0">
+              <a:solidFill>
+                <a:srgbClr val="D4D4D4"/>
+              </a:solidFill>
+              <a:effectLst/>
+              <a:latin typeface="Consolas" panose="020B0609020204030204" pitchFamily="49" charset="0"/>
+            </a:endParaRPr>
+          </a:p>
+          <a:p>
             <a:pPr marL="0" lvl="0" indent="0" algn="l" rtl="0">
               <a:spcBef>
                 <a:spcPts val="0"/>
@@ -1779,14 +4446,14 @@
               </a:spcAft>
               <a:buNone/>
             </a:pPr>
-            <a:endParaRPr/>
+            <a:endParaRPr dirty="0"/>
           </a:p>
         </p:txBody>
       </p:sp>
     </p:spTree>
     <p:extLst>
       <p:ext uri="{BB962C8B-B14F-4D97-AF65-F5344CB8AC3E}">
-        <p14:creationId xmlns:p14="http://schemas.microsoft.com/office/powerpoint/2010/main" val="1161362605"/>
+        <p14:creationId xmlns:p14="http://schemas.microsoft.com/office/powerpoint/2010/main" val="3590385417"/>
       </p:ext>
     </p:extLst>
   </p:cSld>
@@ -7738,6 +10405,88 @@
   <p:cSld>
     <p:spTree>
       <p:nvGrpSpPr>
+        <p:cNvPr id="1" name=""/>
+        <p:cNvGrpSpPr/>
+        <p:nvPr/>
+      </p:nvGrpSpPr>
+      <p:grpSpPr>
+        <a:xfrm>
+          <a:off x="0" y="0"/>
+          <a:ext cx="0" cy="0"/>
+          <a:chOff x="0" y="0"/>
+          <a:chExt cx="0" cy="0"/>
+        </a:xfrm>
+      </p:grpSpPr>
+      <p:sp>
+        <p:nvSpPr>
+          <p:cNvPr id="2" name="Title 1">
+            <a:extLst>
+              <a:ext uri="{FF2B5EF4-FFF2-40B4-BE49-F238E27FC236}">
+                <a16:creationId xmlns:a16="http://schemas.microsoft.com/office/drawing/2014/main" id="{C2DC9B62-E4C9-4BF5-94BF-652A1119DF90}"/>
+              </a:ext>
+            </a:extLst>
+          </p:cNvPr>
+          <p:cNvSpPr>
+            <a:spLocks noGrp="1"/>
+          </p:cNvSpPr>
+          <p:nvPr>
+            <p:ph type="title"/>
+          </p:nvPr>
+        </p:nvSpPr>
+        <p:spPr/>
+        <p:txBody>
+          <a:bodyPr>
+            <a:normAutofit fontScale="90000"/>
+          </a:bodyPr>
+          <a:lstStyle/>
+          <a:p>
+            <a:endParaRPr lang="en-GB"/>
+          </a:p>
+        </p:txBody>
+      </p:sp>
+      <p:sp>
+        <p:nvSpPr>
+          <p:cNvPr id="3" name="Text Placeholder 2">
+            <a:extLst>
+              <a:ext uri="{FF2B5EF4-FFF2-40B4-BE49-F238E27FC236}">
+                <a16:creationId xmlns:a16="http://schemas.microsoft.com/office/drawing/2014/main" id="{43E812A2-563B-40C7-91FF-B2C1275ADB7D}"/>
+              </a:ext>
+            </a:extLst>
+          </p:cNvPr>
+          <p:cNvSpPr>
+            <a:spLocks noGrp="1"/>
+          </p:cNvSpPr>
+          <p:nvPr>
+            <p:ph type="body" idx="1"/>
+          </p:nvPr>
+        </p:nvSpPr>
+        <p:spPr/>
+        <p:txBody>
+          <a:bodyPr/>
+          <a:lstStyle/>
+          <a:p>
+            <a:endParaRPr lang="en-GB"/>
+          </a:p>
+        </p:txBody>
+      </p:sp>
+    </p:spTree>
+    <p:extLst>
+      <p:ext uri="{BB962C8B-B14F-4D97-AF65-F5344CB8AC3E}">
+        <p14:creationId xmlns:p14="http://schemas.microsoft.com/office/powerpoint/2010/main" val="4097578487"/>
+      </p:ext>
+    </p:extLst>
+  </p:cSld>
+  <p:clrMapOvr>
+    <a:masterClrMapping/>
+  </p:clrMapOvr>
+</p:sld>
+</file>
+
+<file path=ppt/slides/slide12.xml><?xml version="1.0" encoding="utf-8"?>
+<p:sld xmlns:a="http://schemas.openxmlformats.org/drawingml/2006/main" xmlns:r="http://schemas.openxmlformats.org/officeDocument/2006/relationships" xmlns:p="http://schemas.openxmlformats.org/presentationml/2006/main">
+  <p:cSld>
+    <p:spTree>
+      <p:nvGrpSpPr>
         <p:cNvPr id="1" name="Shape 56"/>
         <p:cNvGrpSpPr/>
         <p:nvPr/>
@@ -7787,7 +10536,7 @@
             </a:pPr>
             <a:r>
               <a:rPr lang="en-GB" dirty="0"/>
-              <a:t>Use machine names for Deployment Targets</a:t>
+              <a:t>Use systematic names for Deployment Targets</a:t>
             </a:r>
             <a:br>
               <a:rPr lang="en-GB" dirty="0"/>
@@ -8658,7 +11407,7 @@
   <p:cSld>
     <p:spTree>
       <p:nvGrpSpPr>
-        <p:cNvPr id="1" name="Shape 62"/>
+        <p:cNvPr id="1" name="Shape 56"/>
         <p:cNvGrpSpPr/>
         <p:nvPr/>
       </p:nvGrpSpPr>
@@ -8670,234 +11419,175 @@
           <a:chExt cx="0" cy="0"/>
         </a:xfrm>
       </p:grpSpPr>
-      <p:pic>
-        <p:nvPicPr>
-          <p:cNvPr id="1026" name="Picture 2" descr="Linux Logo, history, meaning, symbol, PNG">
-            <a:extLst>
-              <a:ext uri="{FF2B5EF4-FFF2-40B4-BE49-F238E27FC236}">
-                <a16:creationId xmlns:a16="http://schemas.microsoft.com/office/drawing/2014/main" id="{071B3D08-944A-49DF-9192-B234A3942908}"/>
-              </a:ext>
-            </a:extLst>
-          </p:cNvPr>
-          <p:cNvPicPr>
-            <a:picLocks noChangeAspect="1" noChangeArrowheads="1"/>
-          </p:cNvPicPr>
-          <p:nvPr/>
-        </p:nvPicPr>
-        <p:blipFill>
-          <a:blip r:embed="rId3">
-            <a:extLst>
-              <a:ext uri="{28A0092B-C50C-407E-A947-70E740481C1C}">
-                <a14:useLocalDpi xmlns:a14="http://schemas.microsoft.com/office/drawing/2010/main" val="0"/>
-              </a:ext>
-            </a:extLst>
-          </a:blip>
-          <a:srcRect/>
-          <a:stretch>
-            <a:fillRect/>
-          </a:stretch>
-        </p:blipFill>
-        <p:spPr bwMode="auto">
-          <a:xfrm>
-            <a:off x="6201042" y="523162"/>
-            <a:ext cx="1848017" cy="1039511"/>
-          </a:xfrm>
-          <a:prstGeom prst="rect">
-            <a:avLst/>
-          </a:prstGeom>
-          <a:noFill/>
-          <a:extLst>
-            <a:ext uri="{909E8E84-426E-40DD-AFC4-6F175D3DCCD1}">
-              <a14:hiddenFill xmlns:a14="http://schemas.microsoft.com/office/drawing/2010/main">
-                <a:solidFill>
-                  <a:srgbClr val="FFFFFF"/>
-                </a:solidFill>
-              </a14:hiddenFill>
-            </a:ext>
-          </a:extLst>
-        </p:spPr>
-      </p:pic>
-      <p:pic>
-        <p:nvPicPr>
-          <p:cNvPr id="1028" name="Picture 4" descr="Amazon Web Services (AWS) – Logos Download">
-            <a:extLst>
-              <a:ext uri="{FF2B5EF4-FFF2-40B4-BE49-F238E27FC236}">
-                <a16:creationId xmlns:a16="http://schemas.microsoft.com/office/drawing/2014/main" id="{131F2092-8A68-4C61-901C-492A9A718D7E}"/>
-              </a:ext>
-            </a:extLst>
-          </p:cNvPr>
-          <p:cNvPicPr>
-            <a:picLocks noChangeAspect="1" noChangeArrowheads="1"/>
-          </p:cNvPicPr>
-          <p:nvPr/>
-        </p:nvPicPr>
-        <p:blipFill>
-          <a:blip r:embed="rId4">
-            <a:extLst>
-              <a:ext uri="{28A0092B-C50C-407E-A947-70E740481C1C}">
-                <a14:useLocalDpi xmlns:a14="http://schemas.microsoft.com/office/drawing/2010/main" val="0"/>
-              </a:ext>
-            </a:extLst>
-          </a:blip>
-          <a:srcRect/>
-          <a:stretch>
-            <a:fillRect/>
-          </a:stretch>
-        </p:blipFill>
-        <p:spPr bwMode="auto">
-          <a:xfrm>
-            <a:off x="4132229" y="504390"/>
-            <a:ext cx="2043532" cy="889433"/>
-          </a:xfrm>
-          <a:prstGeom prst="rect">
-            <a:avLst/>
-          </a:prstGeom>
-          <a:noFill/>
-          <a:extLst>
-            <a:ext uri="{909E8E84-426E-40DD-AFC4-6F175D3DCCD1}">
-              <a14:hiddenFill xmlns:a14="http://schemas.microsoft.com/office/drawing/2010/main">
-                <a:solidFill>
-                  <a:srgbClr val="FFFFFF"/>
-                </a:solidFill>
-              </a14:hiddenFill>
-            </a:ext>
-          </a:extLst>
-        </p:spPr>
-      </p:pic>
-      <p:pic>
-        <p:nvPicPr>
-          <p:cNvPr id="5" name="Graphic 4">
-            <a:extLst>
-              <a:ext uri="{FF2B5EF4-FFF2-40B4-BE49-F238E27FC236}">
-                <a16:creationId xmlns:a16="http://schemas.microsoft.com/office/drawing/2014/main" id="{995E0E65-A89A-446F-A8B0-7973089157B0}"/>
-              </a:ext>
-            </a:extLst>
-          </p:cNvPr>
-          <p:cNvPicPr>
-            <a:picLocks noChangeAspect="1"/>
-          </p:cNvPicPr>
-          <p:nvPr/>
-        </p:nvPicPr>
-        <p:blipFill>
-          <a:blip r:embed="rId5">
-            <a:extLst>
-              <a:ext uri="{96DAC541-7B7A-43D3-8B79-37D633B846F1}">
-                <asvg:svgBlip xmlns:asvg="http://schemas.microsoft.com/office/drawing/2016/SVG/main" r:embed="rId6"/>
-              </a:ext>
-            </a:extLst>
-          </a:blip>
-          <a:stretch>
-            <a:fillRect/>
-          </a:stretch>
-        </p:blipFill>
+      <p:sp>
+        <p:nvSpPr>
+          <p:cNvPr id="58" name="Google Shape;58;p13"/>
+          <p:cNvSpPr txBox="1">
+            <a:spLocks noGrp="1"/>
+          </p:cNvSpPr>
+          <p:nvPr>
+            <p:ph type="body" idx="1"/>
+          </p:nvPr>
+        </p:nvSpPr>
         <p:spPr>
           <a:xfrm>
-            <a:off x="6711733" y="2093550"/>
-            <a:ext cx="1041689" cy="1041689"/>
+            <a:off x="3024566" y="849529"/>
+            <a:ext cx="5951700" cy="3444441"/>
           </a:xfrm>
           <a:prstGeom prst="rect">
             <a:avLst/>
           </a:prstGeom>
         </p:spPr>
-      </p:pic>
-      <p:pic>
-        <p:nvPicPr>
-          <p:cNvPr id="1034" name="Picture 10" descr="Microsoft unveils a clean logo for the Azure product">
-            <a:extLst>
-              <a:ext uri="{FF2B5EF4-FFF2-40B4-BE49-F238E27FC236}">
-                <a16:creationId xmlns:a16="http://schemas.microsoft.com/office/drawing/2014/main" id="{2841CCA6-6CCA-4D4E-8F00-75FE01D3FA2F}"/>
-              </a:ext>
-            </a:extLst>
-          </p:cNvPr>
-          <p:cNvPicPr>
-            <a:picLocks noChangeAspect="1" noChangeArrowheads="1"/>
-          </p:cNvPicPr>
-          <p:nvPr/>
-        </p:nvPicPr>
-        <p:blipFill>
-          <a:blip r:embed="rId7">
-            <a:extLst>
-              <a:ext uri="{28A0092B-C50C-407E-A947-70E740481C1C}">
-                <a14:useLocalDpi xmlns:a14="http://schemas.microsoft.com/office/drawing/2010/main" val="0"/>
-              </a:ext>
-            </a:extLst>
-          </a:blip>
-          <a:srcRect/>
-          <a:stretch>
-            <a:fillRect/>
-          </a:stretch>
-        </p:blipFill>
-        <p:spPr bwMode="auto">
-          <a:xfrm>
-            <a:off x="4032576" y="1978818"/>
-            <a:ext cx="2258395" cy="1271154"/>
-          </a:xfrm>
-          <a:prstGeom prst="rect">
-            <a:avLst/>
-          </a:prstGeom>
-          <a:noFill/>
-          <a:extLst>
-            <a:ext uri="{909E8E84-426E-40DD-AFC4-6F175D3DCCD1}">
-              <a14:hiddenFill xmlns:a14="http://schemas.microsoft.com/office/drawing/2010/main">
-                <a:solidFill>
-                  <a:srgbClr val="FFFFFF"/>
-                </a:solidFill>
-              </a14:hiddenFill>
-            </a:ext>
-          </a:extLst>
-        </p:spPr>
-      </p:pic>
-      <p:pic>
-        <p:nvPicPr>
-          <p:cNvPr id="1038" name="Picture 14">
-            <a:extLst>
-              <a:ext uri="{FF2B5EF4-FFF2-40B4-BE49-F238E27FC236}">
-                <a16:creationId xmlns:a16="http://schemas.microsoft.com/office/drawing/2014/main" id="{5FC56AB8-05D4-412C-8D3A-BA30E11DF320}"/>
-              </a:ext>
-            </a:extLst>
-          </p:cNvPr>
-          <p:cNvPicPr>
-            <a:picLocks noChangeAspect="1" noChangeArrowheads="1"/>
-          </p:cNvPicPr>
-          <p:nvPr/>
-        </p:nvPicPr>
-        <p:blipFill>
-          <a:blip r:embed="rId8">
-            <a:extLst>
-              <a:ext uri="{28A0092B-C50C-407E-A947-70E740481C1C}">
-                <a14:useLocalDpi xmlns:a14="http://schemas.microsoft.com/office/drawing/2010/main" val="0"/>
-              </a:ext>
-            </a:extLst>
-          </a:blip>
-          <a:srcRect/>
-          <a:stretch>
-            <a:fillRect/>
-          </a:stretch>
-        </p:blipFill>
-        <p:spPr bwMode="auto">
-          <a:xfrm>
-            <a:off x="3754582" y="3803796"/>
-            <a:ext cx="4454236" cy="787998"/>
-          </a:xfrm>
-          <a:prstGeom prst="rect">
-            <a:avLst/>
-          </a:prstGeom>
-          <a:noFill/>
-          <a:extLst>
-            <a:ext uri="{909E8E84-426E-40DD-AFC4-6F175D3DCCD1}">
-              <a14:hiddenFill xmlns:a14="http://schemas.microsoft.com/office/drawing/2010/main">
-                <a:solidFill>
-                  <a:srgbClr val="FFFFFF"/>
-                </a:solidFill>
-              </a14:hiddenFill>
-            </a:ext>
-          </a:extLst>
-        </p:spPr>
-      </p:pic>
+        <p:txBody>
+          <a:bodyPr spcFirstLastPara="1" wrap="square" lIns="91425" tIns="91425" rIns="91425" bIns="91425" anchor="t" anchorCtr="0">
+            <a:normAutofit lnSpcReduction="10000"/>
+          </a:bodyPr>
+          <a:lstStyle/>
+          <a:p>
+            <a:pPr marL="457200" lvl="0" indent="-349250" algn="l" rtl="0">
+              <a:spcBef>
+                <a:spcPts val="0"/>
+              </a:spcBef>
+              <a:spcAft>
+                <a:spcPts val="0"/>
+              </a:spcAft>
+              <a:buSzPts val="1900"/>
+              <a:buChar char="●"/>
+            </a:pPr>
+            <a:r>
+              <a:rPr lang="en" sz="1900" dirty="0"/>
+              <a:t>Machines (Windows, Linux, MacOS)</a:t>
+            </a:r>
+          </a:p>
+          <a:p>
+            <a:pPr lvl="1" indent="-349250">
+              <a:buSzPts val="1900"/>
+              <a:buChar char="●"/>
+            </a:pPr>
+            <a:r>
+              <a:rPr lang="en" sz="1500" dirty="0"/>
+              <a:t>Physical or virtual, on-prem or hosted</a:t>
+            </a:r>
+            <a:br>
+              <a:rPr lang="en" sz="1500" dirty="0"/>
+            </a:br>
+            <a:endParaRPr sz="1500" dirty="0"/>
+          </a:p>
+          <a:p>
+            <a:pPr marL="457200" lvl="0" indent="-349250" algn="l" rtl="0">
+              <a:spcBef>
+                <a:spcPts val="0"/>
+              </a:spcBef>
+              <a:spcAft>
+                <a:spcPts val="0"/>
+              </a:spcAft>
+              <a:buSzPts val="1900"/>
+              <a:buChar char="●"/>
+            </a:pPr>
+            <a:r>
+              <a:rPr lang="en" sz="1900" dirty="0"/>
+              <a:t>PaaS endpoints</a:t>
+            </a:r>
+          </a:p>
+          <a:p>
+            <a:pPr lvl="1" indent="-349250">
+              <a:buSzPts val="1900"/>
+              <a:buChar char="●"/>
+            </a:pPr>
+            <a:r>
+              <a:rPr lang="en" sz="1500" dirty="0"/>
+              <a:t>e.g. Azure Web Apps, aws ECS Clusters</a:t>
+            </a:r>
+            <a:br>
+              <a:rPr lang="en" sz="1500" dirty="0"/>
+            </a:br>
+            <a:endParaRPr sz="1500" dirty="0"/>
+          </a:p>
+          <a:p>
+            <a:pPr marL="457200" lvl="0" indent="-349250" algn="l" rtl="0">
+              <a:spcBef>
+                <a:spcPts val="0"/>
+              </a:spcBef>
+              <a:spcAft>
+                <a:spcPts val="0"/>
+              </a:spcAft>
+              <a:buSzPts val="1900"/>
+              <a:buChar char="●"/>
+            </a:pPr>
+            <a:r>
+              <a:rPr lang="en-GB" sz="1900" dirty="0" err="1"/>
+              <a:t>Kubenetes</a:t>
+            </a:r>
+            <a:r>
+              <a:rPr lang="en-GB" sz="1900" dirty="0"/>
+              <a:t> Clusters</a:t>
+            </a:r>
+          </a:p>
+          <a:p>
+            <a:pPr marL="457200" lvl="0" indent="-349250" algn="l" rtl="0">
+              <a:spcBef>
+                <a:spcPts val="0"/>
+              </a:spcBef>
+              <a:spcAft>
+                <a:spcPts val="0"/>
+              </a:spcAft>
+              <a:buSzPts val="1900"/>
+              <a:buChar char="●"/>
+            </a:pPr>
+            <a:endParaRPr lang="en-GB" sz="1900" dirty="0"/>
+          </a:p>
+          <a:p>
+            <a:pPr marL="457200" lvl="0" indent="-349250" algn="l" rtl="0">
+              <a:spcBef>
+                <a:spcPts val="0"/>
+              </a:spcBef>
+              <a:spcAft>
+                <a:spcPts val="0"/>
+              </a:spcAft>
+              <a:buSzPts val="1900"/>
+              <a:buChar char="●"/>
+            </a:pPr>
+            <a:r>
+              <a:rPr lang="en-GB" sz="1900" dirty="0"/>
+              <a:t>Cloud Regions</a:t>
+            </a:r>
+          </a:p>
+          <a:p>
+            <a:pPr marL="457200" lvl="0" indent="-349250" algn="l" rtl="0">
+              <a:spcBef>
+                <a:spcPts val="0"/>
+              </a:spcBef>
+              <a:spcAft>
+                <a:spcPts val="0"/>
+              </a:spcAft>
+              <a:buSzPts val="1900"/>
+              <a:buChar char="●"/>
+            </a:pPr>
+            <a:endParaRPr lang="en-GB" sz="1900" dirty="0"/>
+          </a:p>
+          <a:p>
+            <a:pPr marL="457200" lvl="0" indent="-349250" algn="l" rtl="0">
+              <a:spcBef>
+                <a:spcPts val="0"/>
+              </a:spcBef>
+              <a:spcAft>
+                <a:spcPts val="0"/>
+              </a:spcAft>
+              <a:buSzPts val="1900"/>
+              <a:buChar char="●"/>
+            </a:pPr>
+            <a:r>
+              <a:rPr lang="en-GB" sz="1900" dirty="0"/>
+              <a:t>Offline Package Drops</a:t>
+            </a:r>
+            <a:endParaRPr sz="1900" dirty="0"/>
+          </a:p>
+        </p:txBody>
+      </p:sp>
     </p:spTree>
     <p:extLst>
       <p:ext uri="{BB962C8B-B14F-4D97-AF65-F5344CB8AC3E}">
-        <p14:creationId xmlns:p14="http://schemas.microsoft.com/office/powerpoint/2010/main" val="2851163128"/>
+        <p14:creationId xmlns:p14="http://schemas.microsoft.com/office/powerpoint/2010/main" val="2120951820"/>
       </p:ext>
     </p:extLst>
   </p:cSld>
@@ -8950,7 +11640,11 @@
                                           </p:stCondLst>
                                         </p:cTn>
                                         <p:tgtEl>
-                                          <p:spTgt spid="1028"/>
+                                          <p:spTgt spid="58">
+                                            <p:txEl>
+                                              <p:pRg st="0" end="0"/>
+                                            </p:txEl>
+                                          </p:spTgt>
                                         </p:tgtEl>
                                         <p:attrNameLst>
                                           <p:attrName>style.visibility</p:attrName>
@@ -8964,7 +11658,11 @@
                                       <p:cBhvr>
                                         <p:cTn id="7" dur="500"/>
                                         <p:tgtEl>
-                                          <p:spTgt spid="1028"/>
+                                          <p:spTgt spid="58">
+                                            <p:txEl>
+                                              <p:pRg st="0" end="0"/>
+                                            </p:txEl>
+                                          </p:spTgt>
                                         </p:tgtEl>
                                       </p:cBhvr>
                                     </p:animEffect>
@@ -8985,7 +11683,11 @@
                                           </p:stCondLst>
                                         </p:cTn>
                                         <p:tgtEl>
-                                          <p:spTgt spid="1026"/>
+                                          <p:spTgt spid="58">
+                                            <p:txEl>
+                                              <p:pRg st="1" end="1"/>
+                                            </p:txEl>
+                                          </p:spTgt>
                                         </p:tgtEl>
                                         <p:attrNameLst>
                                           <p:attrName>style.visibility</p:attrName>
@@ -8999,7 +11701,11 @@
                                       <p:cBhvr>
                                         <p:cTn id="10" dur="500"/>
                                         <p:tgtEl>
-                                          <p:spTgt spid="1026"/>
+                                          <p:spTgt spid="58">
+                                            <p:txEl>
+                                              <p:pRg st="1" end="1"/>
+                                            </p:txEl>
+                                          </p:spTgt>
                                         </p:tgtEl>
                                       </p:cBhvr>
                                     </p:animEffect>
@@ -9038,7 +11744,11 @@
                                           </p:stCondLst>
                                         </p:cTn>
                                         <p:tgtEl>
-                                          <p:spTgt spid="1034"/>
+                                          <p:spTgt spid="58">
+                                            <p:txEl>
+                                              <p:pRg st="2" end="2"/>
+                                            </p:txEl>
+                                          </p:spTgt>
                                         </p:tgtEl>
                                         <p:attrNameLst>
                                           <p:attrName>style.visibility</p:attrName>
@@ -9052,7 +11762,11 @@
                                       <p:cBhvr>
                                         <p:cTn id="15" dur="500"/>
                                         <p:tgtEl>
-                                          <p:spTgt spid="1034"/>
+                                          <p:spTgt spid="58">
+                                            <p:txEl>
+                                              <p:pRg st="2" end="2"/>
+                                            </p:txEl>
+                                          </p:spTgt>
                                         </p:tgtEl>
                                       </p:cBhvr>
                                     </p:animEffect>
@@ -9073,7 +11787,11 @@
                                           </p:stCondLst>
                                         </p:cTn>
                                         <p:tgtEl>
-                                          <p:spTgt spid="5"/>
+                                          <p:spTgt spid="58">
+                                            <p:txEl>
+                                              <p:pRg st="3" end="3"/>
+                                            </p:txEl>
+                                          </p:spTgt>
                                         </p:tgtEl>
                                         <p:attrNameLst>
                                           <p:attrName>style.visibility</p:attrName>
@@ -9087,7 +11805,11 @@
                                       <p:cBhvr>
                                         <p:cTn id="18" dur="500"/>
                                         <p:tgtEl>
-                                          <p:spTgt spid="5"/>
+                                          <p:spTgt spid="58">
+                                            <p:txEl>
+                                              <p:pRg st="3" end="3"/>
+                                            </p:txEl>
+                                          </p:spTgt>
                                         </p:tgtEl>
                                       </p:cBhvr>
                                     </p:animEffect>
@@ -9126,7 +11848,11 @@
                                           </p:stCondLst>
                                         </p:cTn>
                                         <p:tgtEl>
-                                          <p:spTgt spid="1038"/>
+                                          <p:spTgt spid="58">
+                                            <p:txEl>
+                                              <p:pRg st="4" end="4"/>
+                                            </p:txEl>
+                                          </p:spTgt>
                                         </p:tgtEl>
                                         <p:attrNameLst>
                                           <p:attrName>style.visibility</p:attrName>
@@ -9140,7 +11866,133 @@
                                       <p:cBhvr>
                                         <p:cTn id="23" dur="500"/>
                                         <p:tgtEl>
-                                          <p:spTgt spid="1038"/>
+                                          <p:spTgt spid="58">
+                                            <p:txEl>
+                                              <p:pRg st="4" end="4"/>
+                                            </p:txEl>
+                                          </p:spTgt>
+                                        </p:tgtEl>
+                                      </p:cBhvr>
+                                    </p:animEffect>
+                                  </p:childTnLst>
+                                </p:cTn>
+                              </p:par>
+                            </p:childTnLst>
+                          </p:cTn>
+                        </p:par>
+                      </p:childTnLst>
+                    </p:cTn>
+                  </p:par>
+                  <p:par>
+                    <p:cTn id="24" fill="hold">
+                      <p:stCondLst>
+                        <p:cond delay="indefinite"/>
+                      </p:stCondLst>
+                      <p:childTnLst>
+                        <p:par>
+                          <p:cTn id="25" fill="hold">
+                            <p:stCondLst>
+                              <p:cond delay="0"/>
+                            </p:stCondLst>
+                            <p:childTnLst>
+                              <p:par>
+                                <p:cTn id="26" presetID="10" presetClass="entr" presetSubtype="0" fill="hold" nodeType="clickEffect">
+                                  <p:stCondLst>
+                                    <p:cond delay="0"/>
+                                  </p:stCondLst>
+                                  <p:childTnLst>
+                                    <p:set>
+                                      <p:cBhvr>
+                                        <p:cTn id="27" dur="1" fill="hold">
+                                          <p:stCondLst>
+                                            <p:cond delay="0"/>
+                                          </p:stCondLst>
+                                        </p:cTn>
+                                        <p:tgtEl>
+                                          <p:spTgt spid="58">
+                                            <p:txEl>
+                                              <p:pRg st="6" end="6"/>
+                                            </p:txEl>
+                                          </p:spTgt>
+                                        </p:tgtEl>
+                                        <p:attrNameLst>
+                                          <p:attrName>style.visibility</p:attrName>
+                                        </p:attrNameLst>
+                                      </p:cBhvr>
+                                      <p:to>
+                                        <p:strVal val="visible"/>
+                                      </p:to>
+                                    </p:set>
+                                    <p:animEffect transition="in" filter="fade">
+                                      <p:cBhvr>
+                                        <p:cTn id="28" dur="500"/>
+                                        <p:tgtEl>
+                                          <p:spTgt spid="58">
+                                            <p:txEl>
+                                              <p:pRg st="6" end="6"/>
+                                            </p:txEl>
+                                          </p:spTgt>
+                                        </p:tgtEl>
+                                      </p:cBhvr>
+                                    </p:animEffect>
+                                  </p:childTnLst>
+                                </p:cTn>
+                              </p:par>
+                            </p:childTnLst>
+                          </p:cTn>
+                        </p:par>
+                      </p:childTnLst>
+                    </p:cTn>
+                  </p:par>
+                  <p:par>
+                    <p:cTn id="29" fill="hold">
+                      <p:stCondLst>
+                        <p:cond delay="indefinite"/>
+                      </p:stCondLst>
+                      <p:childTnLst>
+                        <p:par>
+                          <p:cTn id="30" fill="hold">
+                            <p:stCondLst>
+                              <p:cond delay="0"/>
+                            </p:stCondLst>
+                            <p:childTnLst>
+                              <p:par>
+                                <p:cTn id="31" presetID="10" presetClass="entr" presetSubtype="0" fill="hold" nodeType="clickEffect">
+                                  <p:stCondLst>
+                                    <p:cond delay="0"/>
+                                  </p:stCondLst>
+                                  <p:childTnLst>
+                                    <p:set>
+                                      <p:cBhvr>
+                                        <p:cTn id="32" dur="1" fill="hold">
+                                          <p:stCondLst>
+                                            <p:cond delay="0"/>
+                                          </p:stCondLst>
+                                        </p:cTn>
+                                        <p:tgtEl>
+                                          <p:spTgt spid="58">
+                                            <p:txEl>
+                                              <p:pRg st="8" end="8"/>
+                                            </p:txEl>
+                                          </p:spTgt>
+                                        </p:tgtEl>
+                                        <p:attrNameLst>
+                                          <p:attrName>style.visibility</p:attrName>
+                                        </p:attrNameLst>
+                                      </p:cBhvr>
+                                      <p:to>
+                                        <p:strVal val="visible"/>
+                                      </p:to>
+                                    </p:set>
+                                    <p:animEffect transition="in" filter="fade">
+                                      <p:cBhvr>
+                                        <p:cTn id="33" dur="500"/>
+                                        <p:tgtEl>
+                                          <p:spTgt spid="58">
+                                            <p:txEl>
+                                              <p:pRg st="8" end="8"/>
+                                            </p:txEl>
+                                          </p:spTgt>
                                         </p:tgtEl>
                                       </p:cBhvr>
                                     </p:animEffect>
